--- a/tutorial/T08/tut08.pptx
+++ b/tutorial/T08/tut08.pptx
@@ -139,6 +139,7 @@
 <file path=ppt/revisionInfo.xml><?xml version="1.0" encoding="utf-8"?>
 <p1510:revInfo xmlns:a="http://schemas.openxmlformats.org/drawingml/2006/main" xmlns:r="http://schemas.openxmlformats.org/officeDocument/2006/relationships" xmlns:p1510="http://schemas.microsoft.com/office/powerpoint/2015/10/main">
   <p1510:revLst>
+    <p1510:client id="{4D4FDBB8-D121-6146-AFA4-5D24E55EB5BD}" v="2" dt="2024-10-22T05:25:36.448"/>
     <p1510:client id="{5733EF17-AB39-4DCA-B72F-092CBDB8529B}" v="458" dt="2024-10-22T04:48:05.561"/>
     <p1510:client id="{5B09029C-1F73-FB44-9607-ED1C3E43A07B}" v="13" dt="2024-10-22T02:00:07.374"/>
   </p1510:revLst>
@@ -3968,6 +3969,61 @@
     </pc:docChg>
   </pc:docChgLst>
   <pc:docChgLst>
+    <pc:chgData name="CHEN, Kaiwen" userId="d2b7700c-ac07-4aef-b2bf-800af199d77b" providerId="ADAL" clId="{4D4FDBB8-D121-6146-AFA4-5D24E55EB5BD}"/>
+    <pc:docChg chg="modSld">
+      <pc:chgData name="CHEN, Kaiwen" userId="d2b7700c-ac07-4aef-b2bf-800af199d77b" providerId="ADAL" clId="{4D4FDBB8-D121-6146-AFA4-5D24E55EB5BD}" dt="2024-10-22T05:25:40.963" v="26" actId="14100"/>
+      <pc:docMkLst>
+        <pc:docMk/>
+      </pc:docMkLst>
+      <pc:sldChg chg="modSp mod">
+        <pc:chgData name="CHEN, Kaiwen" userId="d2b7700c-ac07-4aef-b2bf-800af199d77b" providerId="ADAL" clId="{4D4FDBB8-D121-6146-AFA4-5D24E55EB5BD}" dt="2024-10-22T05:24:37.996" v="2" actId="14"/>
+        <pc:sldMkLst>
+          <pc:docMk/>
+          <pc:sldMk cId="1493193318" sldId="658"/>
+        </pc:sldMkLst>
+        <pc:spChg chg="mod">
+          <ac:chgData name="CHEN, Kaiwen" userId="d2b7700c-ac07-4aef-b2bf-800af199d77b" providerId="ADAL" clId="{4D4FDBB8-D121-6146-AFA4-5D24E55EB5BD}" dt="2024-10-22T05:24:37.996" v="2" actId="14"/>
+          <ac:spMkLst>
+            <pc:docMk/>
+            <pc:sldMk cId="1493193318" sldId="658"/>
+            <ac:spMk id="3" creationId="{B161272D-C3A9-7227-9F2F-ECB2E34D5B70}"/>
+          </ac:spMkLst>
+        </pc:spChg>
+      </pc:sldChg>
+      <pc:sldChg chg="addSp modSp mod">
+        <pc:chgData name="CHEN, Kaiwen" userId="d2b7700c-ac07-4aef-b2bf-800af199d77b" providerId="ADAL" clId="{4D4FDBB8-D121-6146-AFA4-5D24E55EB5BD}" dt="2024-10-22T05:25:40.963" v="26" actId="14100"/>
+        <pc:sldMkLst>
+          <pc:docMk/>
+          <pc:sldMk cId="1157754618" sldId="659"/>
+        </pc:sldMkLst>
+        <pc:spChg chg="add mod">
+          <ac:chgData name="CHEN, Kaiwen" userId="d2b7700c-ac07-4aef-b2bf-800af199d77b" providerId="ADAL" clId="{4D4FDBB8-D121-6146-AFA4-5D24E55EB5BD}" dt="2024-10-22T05:25:27.694" v="23" actId="1076"/>
+          <ac:spMkLst>
+            <pc:docMk/>
+            <pc:sldMk cId="1157754618" sldId="659"/>
+            <ac:spMk id="3" creationId="{D424D539-00F0-1C3E-6046-143488804D4A}"/>
+          </ac:spMkLst>
+        </pc:spChg>
+        <pc:spChg chg="mod">
+          <ac:chgData name="CHEN, Kaiwen" userId="d2b7700c-ac07-4aef-b2bf-800af199d77b" providerId="ADAL" clId="{4D4FDBB8-D121-6146-AFA4-5D24E55EB5BD}" dt="2024-10-22T05:25:24.236" v="22" actId="1076"/>
+          <ac:spMkLst>
+            <pc:docMk/>
+            <pc:sldMk cId="1157754618" sldId="659"/>
+            <ac:spMk id="6" creationId="{14824D63-9D36-7F96-67CB-798D693398C1}"/>
+          </ac:spMkLst>
+        </pc:spChg>
+        <pc:cxnChg chg="add mod">
+          <ac:chgData name="CHEN, Kaiwen" userId="d2b7700c-ac07-4aef-b2bf-800af199d77b" providerId="ADAL" clId="{4D4FDBB8-D121-6146-AFA4-5D24E55EB5BD}" dt="2024-10-22T05:25:40.963" v="26" actId="14100"/>
+          <ac:cxnSpMkLst>
+            <pc:docMk/>
+            <pc:sldMk cId="1157754618" sldId="659"/>
+            <ac:cxnSpMk id="8" creationId="{59B11CAD-5A04-2373-5CBE-863D2507B7E3}"/>
+          </ac:cxnSpMkLst>
+        </pc:cxnChg>
+      </pc:sldChg>
+    </pc:docChg>
+  </pc:docChgLst>
+  <pc:docChgLst>
     <pc:chgData name="LI, Jianqiang" userId="cff57bb5-6b3d-420f-8247-78e7019450b8" providerId="ADAL" clId="{939F1F54-1ECF-41BA-81F6-AA77C1B9D0EB}"/>
     <pc:docChg chg="delSld modSld">
       <pc:chgData name="LI, Jianqiang" userId="cff57bb5-6b3d-420f-8247-78e7019450b8" providerId="ADAL" clId="{939F1F54-1ECF-41BA-81F6-AA77C1B9D0EB}" dt="2024-10-02T03:16:03.426" v="9" actId="47"/>
@@ -4318,7 +4374,7 @@
           <a:p>
             <a:fld id="{90751E9F-A845-4914-A3CC-CC345012599B}" type="datetimeFigureOut">
               <a:rPr lang="en-US" smtClean="0"/>
-              <a:t>10/22/2024</a:t>
+              <a:t>10/22/24</a:t>
             </a:fld>
             <a:endParaRPr lang="en-US"/>
           </a:p>
@@ -6997,7 +7053,7 @@
           <a:p>
             <a:fld id="{4110DD41-9B81-A544-8498-92133950A0E4}" type="datetime1">
               <a:rPr lang="en-US" smtClean="0"/>
-              <a:t>10/22/2024</a:t>
+              <a:t>10/22/24</a:t>
             </a:fld>
             <a:endParaRPr lang="en-US"/>
           </a:p>
@@ -8840,7 +8896,7 @@
           </a:ln>
           <a:extLst>
             <a:ext uri="{C572A759-6A51-4108-AA02-DFA0A04FC94B}">
-              <ma14:wrappingTextBoxFlag xmlns="" xmlns:ma14="http://schemas.microsoft.com/office/mac/drawingml/2011/main" xmlns:a14="http://schemas.microsoft.com/office/drawing/2010/main" xmlns:m="http://schemas.openxmlformats.org/officeDocument/2006/math" val="1"/>
+              <ma14:wrappingTextBoxFlag xmlns:m="http://schemas.openxmlformats.org/officeDocument/2006/math" xmlns:a14="http://schemas.microsoft.com/office/drawing/2010/main" xmlns:ma14="http://schemas.microsoft.com/office/mac/drawingml/2011/main" xmlns="" val="1"/>
             </a:ext>
           </a:extLst>
         </p:spPr>
@@ -8879,7 +8935,7 @@
           </a:ln>
           <a:extLst>
             <a:ext uri="{C572A759-6A51-4108-AA02-DFA0A04FC94B}">
-              <ma14:wrappingTextBoxFlag xmlns="" xmlns:ma14="http://schemas.microsoft.com/office/mac/drawingml/2011/main" xmlns:a14="http://schemas.microsoft.com/office/drawing/2010/main" xmlns:m="http://schemas.openxmlformats.org/officeDocument/2006/math" val="1"/>
+              <ma14:wrappingTextBoxFlag xmlns:m="http://schemas.openxmlformats.org/officeDocument/2006/math" xmlns:a14="http://schemas.microsoft.com/office/drawing/2010/main" xmlns:ma14="http://schemas.microsoft.com/office/mac/drawingml/2011/main" xmlns="" val="1"/>
             </a:ext>
           </a:extLst>
         </p:spPr>
@@ -28708,7 +28764,7 @@
                 <a:cs typeface="Helvetica"/>
                 <a:sym typeface="Helvetica"/>
               </a:rPr>
-              <a:t>TODO</a:t>
+              <a:t>Only accept appeals for incorrect judgement(The correct answer was judged as wrong)</a:t>
             </a:r>
           </a:p>
           <a:p>
@@ -28951,7 +29007,7 @@
         </p:nvSpPr>
         <p:spPr>
           <a:xfrm>
-            <a:off x="76733" y="3149569"/>
+            <a:off x="68011" y="3814722"/>
             <a:ext cx="2481453" cy="2072362"/>
           </a:xfrm>
           <a:prstGeom prst="rect">
@@ -29438,6 +29494,172 @@
           <a:xfrm flipH="1" flipV="1">
             <a:off x="6444386" y="5044703"/>
             <a:ext cx="1419454" cy="789960"/>
+          </a:xfrm>
+          <a:prstGeom prst="straightConnector1">
+            <a:avLst/>
+          </a:prstGeom>
+          <a:noFill/>
+          <a:ln w="25400" cap="flat">
+            <a:solidFill>
+              <a:schemeClr val="accent1">
+                <a:lumMod val="40000"/>
+                <a:lumOff val="60000"/>
+              </a:schemeClr>
+            </a:solidFill>
+            <a:prstDash val="solid"/>
+            <a:round/>
+            <a:tailEnd type="triangle"/>
+          </a:ln>
+          <a:effectLst/>
+          <a:sp3d/>
+        </p:spPr>
+        <p:style>
+          <a:lnRef idx="0">
+            <a:scrgbClr r="0" g="0" b="0"/>
+          </a:lnRef>
+          <a:fillRef idx="0">
+            <a:scrgbClr r="0" g="0" b="0"/>
+          </a:fillRef>
+          <a:effectRef idx="0">
+            <a:scrgbClr r="0" g="0" b="0"/>
+          </a:effectRef>
+          <a:fontRef idx="none"/>
+        </p:style>
+      </p:cxnSp>
+      <p:sp>
+        <p:nvSpPr>
+          <p:cNvPr id="3" name="文本框 30">
+            <a:extLst>
+              <a:ext uri="{FF2B5EF4-FFF2-40B4-BE49-F238E27FC236}">
+                <a16:creationId xmlns:a16="http://schemas.microsoft.com/office/drawing/2014/main" id="{D424D539-00F0-1C3E-6046-143488804D4A}"/>
+              </a:ext>
+            </a:extLst>
+          </p:cNvPr>
+          <p:cNvSpPr txBox="1"/>
+          <p:nvPr/>
+        </p:nvSpPr>
+        <p:spPr>
+          <a:xfrm>
+            <a:off x="76733" y="1019515"/>
+            <a:ext cx="2481453" cy="2318583"/>
+          </a:xfrm>
+          <a:prstGeom prst="rect">
+            <a:avLst/>
+          </a:prstGeom>
+          <a:solidFill>
+            <a:schemeClr val="accent2">
+              <a:lumMod val="20000"/>
+              <a:lumOff val="80000"/>
+            </a:schemeClr>
+          </a:solidFill>
+          <a:ln w="12700" cap="flat">
+            <a:noFill/>
+            <a:miter lim="400000"/>
+          </a:ln>
+          <a:effectLst/>
+          <a:sp3d/>
+        </p:spPr>
+        <p:style>
+          <a:lnRef idx="0">
+            <a:scrgbClr r="0" g="0" b="0"/>
+          </a:lnRef>
+          <a:fillRef idx="0">
+            <a:scrgbClr r="0" g="0" b="0"/>
+          </a:fillRef>
+          <a:effectRef idx="0">
+            <a:scrgbClr r="0" g="0" b="0"/>
+          </a:effectRef>
+          <a:fontRef idx="none"/>
+        </p:style>
+        <p:txBody>
+          <a:bodyPr rot="0" spcFirstLastPara="1" vertOverflow="overflow" horzOverflow="overflow" vert="horz" wrap="square" lIns="50800" tIns="50800" rIns="50800" bIns="50800" numCol="1" spcCol="38100" rtlCol="0" anchor="ctr">
+            <a:spAutoFit/>
+          </a:bodyPr>
+          <a:lstStyle/>
+          <a:p>
+            <a:pPr marL="0" marR="0" lvl="0" indent="0" algn="l" defTabSz="914400" rtl="0" eaLnBrk="1" fontAlgn="auto" latinLnBrk="0" hangingPunct="1">
+              <a:lnSpc>
+                <a:spcPct val="100000"/>
+              </a:lnSpc>
+              <a:spcBef>
+                <a:spcPts val="0"/>
+              </a:spcBef>
+              <a:spcAft>
+                <a:spcPts val="0"/>
+              </a:spcAft>
+              <a:buClrTx/>
+              <a:buSzTx/>
+              <a:buFontTx/>
+              <a:buNone/>
+              <a:tabLst/>
+              <a:defRPr/>
+            </a:pPr>
+            <a:r>
+              <a:rPr lang="en-US" altLang="zh-HK" sz="1600" dirty="0">
+                <a:latin typeface="Gill Sans MT"/>
+              </a:rPr>
+              <a:t>A:</a:t>
+            </a:r>
+          </a:p>
+          <a:p>
+            <a:pPr marL="0" marR="0" lvl="0" indent="0" algn="l" defTabSz="914400" rtl="0" eaLnBrk="1" fontAlgn="auto" latinLnBrk="0" hangingPunct="1">
+              <a:lnSpc>
+                <a:spcPct val="100000"/>
+              </a:lnSpc>
+              <a:spcBef>
+                <a:spcPts val="0"/>
+              </a:spcBef>
+              <a:spcAft>
+                <a:spcPts val="0"/>
+              </a:spcAft>
+              <a:buClrTx/>
+              <a:buSzTx/>
+              <a:buFontTx/>
+              <a:buNone/>
+              <a:tabLst/>
+              <a:defRPr/>
+            </a:pPr>
+            <a:r>
+              <a:rPr lang="en-HK" altLang="zh-HK" sz="1600" b="1" dirty="0">
+                <a:solidFill>
+                  <a:srgbClr val="0E0E0E"/>
+                </a:solidFill>
+                <a:effectLst/>
+                <a:latin typeface=".SF NS"/>
+              </a:rPr>
+              <a:t>correct</a:t>
+            </a:r>
+            <a:r>
+              <a:rPr lang="en-HK" altLang="zh-HK" sz="1600" dirty="0">
+                <a:solidFill>
+                  <a:srgbClr val="0E0E0E"/>
+                </a:solidFill>
+                <a:effectLst/>
+                <a:latin typeface=".SF NS"/>
+              </a:rPr>
+              <a:t>. When a user process makes a system call, it requests services from the operating system’s kernel. To execute these privileged operations, the CPU must switch from user mode to kernel mode.</a:t>
+            </a:r>
+          </a:p>
+        </p:txBody>
+      </p:sp>
+      <p:cxnSp>
+        <p:nvCxnSpPr>
+          <p:cNvPr id="8" name="直接箭头连接符 31">
+            <a:extLst>
+              <a:ext uri="{FF2B5EF4-FFF2-40B4-BE49-F238E27FC236}">
+                <a16:creationId xmlns:a16="http://schemas.microsoft.com/office/drawing/2014/main" id="{59B11CAD-5A04-2373-5CBE-863D2507B7E3}"/>
+              </a:ext>
+            </a:extLst>
+          </p:cNvPr>
+          <p:cNvCxnSpPr>
+            <a:cxnSpLocks/>
+          </p:cNvCxnSpPr>
+          <p:nvPr/>
+        </p:nvCxnSpPr>
+        <p:spPr>
+          <a:xfrm>
+            <a:off x="2549464" y="2656359"/>
+            <a:ext cx="477515" cy="655377"/>
           </a:xfrm>
           <a:prstGeom prst="straightConnector1">
             <a:avLst/>

--- a/tutorial/T08/tut08.pptx
+++ b/tutorial/T08/tut08.pptx
@@ -3970,19 +3970,19 @@
   </pc:docChgLst>
   <pc:docChgLst>
     <pc:chgData name="CHEN, Kaiwen" userId="d2b7700c-ac07-4aef-b2bf-800af199d77b" providerId="ADAL" clId="{4D4FDBB8-D121-6146-AFA4-5D24E55EB5BD}"/>
-    <pc:docChg chg="modSld">
-      <pc:chgData name="CHEN, Kaiwen" userId="d2b7700c-ac07-4aef-b2bf-800af199d77b" providerId="ADAL" clId="{4D4FDBB8-D121-6146-AFA4-5D24E55EB5BD}" dt="2024-10-22T05:25:40.963" v="26" actId="14100"/>
+    <pc:docChg chg="undo custSel modSld">
+      <pc:chgData name="CHEN, Kaiwen" userId="d2b7700c-ac07-4aef-b2bf-800af199d77b" providerId="ADAL" clId="{4D4FDBB8-D121-6146-AFA4-5D24E55EB5BD}" dt="2024-10-22T06:39:06.739" v="137" actId="313"/>
       <pc:docMkLst>
         <pc:docMk/>
       </pc:docMkLst>
       <pc:sldChg chg="modSp mod">
-        <pc:chgData name="CHEN, Kaiwen" userId="d2b7700c-ac07-4aef-b2bf-800af199d77b" providerId="ADAL" clId="{4D4FDBB8-D121-6146-AFA4-5D24E55EB5BD}" dt="2024-10-22T05:24:37.996" v="2" actId="14"/>
+        <pc:chgData name="CHEN, Kaiwen" userId="d2b7700c-ac07-4aef-b2bf-800af199d77b" providerId="ADAL" clId="{4D4FDBB8-D121-6146-AFA4-5D24E55EB5BD}" dt="2024-10-22T06:39:06.739" v="137" actId="313"/>
         <pc:sldMkLst>
           <pc:docMk/>
           <pc:sldMk cId="1493193318" sldId="658"/>
         </pc:sldMkLst>
         <pc:spChg chg="mod">
-          <ac:chgData name="CHEN, Kaiwen" userId="d2b7700c-ac07-4aef-b2bf-800af199d77b" providerId="ADAL" clId="{4D4FDBB8-D121-6146-AFA4-5D24E55EB5BD}" dt="2024-10-22T05:24:37.996" v="2" actId="14"/>
+          <ac:chgData name="CHEN, Kaiwen" userId="d2b7700c-ac07-4aef-b2bf-800af199d77b" providerId="ADAL" clId="{4D4FDBB8-D121-6146-AFA4-5D24E55EB5BD}" dt="2024-10-22T06:39:06.739" v="137" actId="313"/>
           <ac:spMkLst>
             <pc:docMk/>
             <pc:sldMk cId="1493193318" sldId="658"/>
@@ -8896,7 +8896,7 @@
           </a:ln>
           <a:extLst>
             <a:ext uri="{C572A759-6A51-4108-AA02-DFA0A04FC94B}">
-              <ma14:wrappingTextBoxFlag xmlns:m="http://schemas.openxmlformats.org/officeDocument/2006/math" xmlns:a14="http://schemas.microsoft.com/office/drawing/2010/main" xmlns:ma14="http://schemas.microsoft.com/office/mac/drawingml/2011/main" xmlns="" val="1"/>
+              <ma14:wrappingTextBoxFlag xmlns="" xmlns:ma14="http://schemas.microsoft.com/office/mac/drawingml/2011/main" xmlns:a14="http://schemas.microsoft.com/office/drawing/2010/main" xmlns:m="http://schemas.openxmlformats.org/officeDocument/2006/math" val="1"/>
             </a:ext>
           </a:extLst>
         </p:spPr>
@@ -8935,7 +8935,7 @@
           </a:ln>
           <a:extLst>
             <a:ext uri="{C572A759-6A51-4108-AA02-DFA0A04FC94B}">
-              <ma14:wrappingTextBoxFlag xmlns:m="http://schemas.openxmlformats.org/officeDocument/2006/math" xmlns:a14="http://schemas.microsoft.com/office/drawing/2010/main" xmlns:ma14="http://schemas.microsoft.com/office/mac/drawingml/2011/main" xmlns="" val="1"/>
+              <ma14:wrappingTextBoxFlag xmlns="" xmlns:ma14="http://schemas.microsoft.com/office/mac/drawingml/2011/main" xmlns:a14="http://schemas.microsoft.com/office/drawing/2010/main" xmlns:m="http://schemas.openxmlformats.org/officeDocument/2006/math" val="1"/>
             </a:ext>
           </a:extLst>
         </p:spPr>
@@ -28764,8 +28764,67 @@
                 <a:cs typeface="Helvetica"/>
                 <a:sym typeface="Helvetica"/>
               </a:rPr>
-              <a:t>Only accept appeals for incorrect judgement(The correct answer was judged as wrong)</a:t>
-            </a:r>
+              <a:t>Only accept appeals for incorrect judgement(The correct answer was accidentally judged as wrong)</a:t>
+            </a:r>
+          </a:p>
+          <a:p>
+            <a:pPr marL="606425" lvl="1" indent="-288925">
+              <a:spcBef>
+                <a:spcPts val="1200"/>
+              </a:spcBef>
+              <a:buFont typeface="Wingdings" pitchFamily="2" charset="2"/>
+              <a:buChar char="Ø"/>
+              <a:defRPr/>
+            </a:pPr>
+            <a:r>
+              <a:rPr lang="en-US" sz="2400" dirty="0">
+                <a:cs typeface="Helvetica"/>
+              </a:rPr>
+              <a:t>Time limit: before Fri</a:t>
+            </a:r>
+            <a:r>
+              <a:rPr kumimoji="0" lang="en-US" altLang="zh-CN" sz="2400" b="0" i="0" u="none" strike="noStrike" kern="0" cap="none" spc="0" normalizeH="0" baseline="0" noProof="0" dirty="0">
+                <a:ln>
+                  <a:noFill/>
+                </a:ln>
+                <a:solidFill>
+                  <a:srgbClr val="202020"/>
+                </a:solidFill>
+                <a:effectLst/>
+                <a:uLnTx/>
+                <a:uFillTx/>
+                <a:latin typeface="Gill Sans MT" panose="020B0502020104020203" pitchFamily="34" charset="0"/>
+                <a:cs typeface="Helvetica"/>
+                <a:sym typeface="Helvetica"/>
+              </a:rPr>
+              <a:t>, Nov </a:t>
+            </a:r>
+            <a:r>
+              <a:rPr lang="en-US" altLang="zh-CN" sz="2400" dirty="0">
+                <a:cs typeface="Helvetica"/>
+              </a:rPr>
+              <a:t>1</a:t>
+            </a:r>
+            <a:r>
+              <a:rPr lang="en-US" altLang="zh-CN" sz="2400" baseline="30000" dirty="0">
+                <a:cs typeface="Helvetica"/>
+              </a:rPr>
+              <a:t>st</a:t>
+            </a:r>
+            <a:endParaRPr kumimoji="0" lang="en-US" sz="2400" b="0" i="0" u="none" strike="noStrike" kern="0" cap="none" spc="0" normalizeH="0" baseline="0" noProof="0" dirty="0">
+              <a:ln>
+                <a:noFill/>
+              </a:ln>
+              <a:solidFill>
+                <a:srgbClr val="202020"/>
+              </a:solidFill>
+              <a:effectLst/>
+              <a:uLnTx/>
+              <a:uFillTx/>
+              <a:latin typeface="Gill Sans MT" panose="020B0502020104020203" pitchFamily="34" charset="0"/>
+              <a:cs typeface="Helvetica"/>
+              <a:sym typeface="Helvetica"/>
+            </a:endParaRPr>
           </a:p>
           <a:p>
             <a:pPr marL="288925" indent="-288925">

--- a/tutorial/T08/tut08.pptx
+++ b/tutorial/T08/tut08.pptx
@@ -140,8 +140,6 @@
 <p1510:revInfo xmlns:a="http://schemas.openxmlformats.org/drawingml/2006/main" xmlns:r="http://schemas.openxmlformats.org/officeDocument/2006/relationships" xmlns:p1510="http://schemas.microsoft.com/office/powerpoint/2015/10/main">
   <p1510:revLst>
     <p1510:client id="{4D4FDBB8-D121-6146-AFA4-5D24E55EB5BD}" v="2" dt="2024-10-22T05:25:36.448"/>
-    <p1510:client id="{5733EF17-AB39-4DCA-B72F-092CBDB8529B}" v="458" dt="2024-10-22T04:48:05.561"/>
-    <p1510:client id="{5B09029C-1F73-FB44-9607-ED1C3E43A07B}" v="13" dt="2024-10-22T02:00:07.374"/>
   </p1510:revLst>
 </p1510:revInfo>
 </file>
@@ -3971,10 +3969,25 @@
   <pc:docChgLst>
     <pc:chgData name="CHEN, Kaiwen" userId="d2b7700c-ac07-4aef-b2bf-800af199d77b" providerId="ADAL" clId="{4D4FDBB8-D121-6146-AFA4-5D24E55EB5BD}"/>
     <pc:docChg chg="undo custSel modSld">
-      <pc:chgData name="CHEN, Kaiwen" userId="d2b7700c-ac07-4aef-b2bf-800af199d77b" providerId="ADAL" clId="{4D4FDBB8-D121-6146-AFA4-5D24E55EB5BD}" dt="2024-10-22T06:39:06.739" v="137" actId="313"/>
+      <pc:chgData name="CHEN, Kaiwen" userId="d2b7700c-ac07-4aef-b2bf-800af199d77b" providerId="ADAL" clId="{4D4FDBB8-D121-6146-AFA4-5D24E55EB5BD}" dt="2024-10-23T06:20:08.597" v="138" actId="20577"/>
       <pc:docMkLst>
         <pc:docMk/>
       </pc:docMkLst>
+      <pc:sldChg chg="modSp mod">
+        <pc:chgData name="CHEN, Kaiwen" userId="d2b7700c-ac07-4aef-b2bf-800af199d77b" providerId="ADAL" clId="{4D4FDBB8-D121-6146-AFA4-5D24E55EB5BD}" dt="2024-10-23T06:20:08.597" v="138" actId="20577"/>
+        <pc:sldMkLst>
+          <pc:docMk/>
+          <pc:sldMk cId="4196136796" sldId="624"/>
+        </pc:sldMkLst>
+        <pc:spChg chg="mod">
+          <ac:chgData name="CHEN, Kaiwen" userId="d2b7700c-ac07-4aef-b2bf-800af199d77b" providerId="ADAL" clId="{4D4FDBB8-D121-6146-AFA4-5D24E55EB5BD}" dt="2024-10-23T06:20:08.597" v="138" actId="20577"/>
+          <ac:spMkLst>
+            <pc:docMk/>
+            <pc:sldMk cId="4196136796" sldId="624"/>
+            <ac:spMk id="3" creationId="{36A5FFEE-E22C-7E2F-1F3B-D8658E79FF2E}"/>
+          </ac:spMkLst>
+        </pc:spChg>
+      </pc:sldChg>
       <pc:sldChg chg="modSp mod">
         <pc:chgData name="CHEN, Kaiwen" userId="d2b7700c-ac07-4aef-b2bf-800af199d77b" providerId="ADAL" clId="{4D4FDBB8-D121-6146-AFA4-5D24E55EB5BD}" dt="2024-10-22T06:39:06.739" v="137" actId="313"/>
         <pc:sldMkLst>
@@ -4374,7 +4387,7 @@
           <a:p>
             <a:fld id="{90751E9F-A845-4914-A3CC-CC345012599B}" type="datetimeFigureOut">
               <a:rPr lang="en-US" smtClean="0"/>
-              <a:t>10/22/24</a:t>
+              <a:t>10/23/24</a:t>
             </a:fld>
             <a:endParaRPr lang="en-US"/>
           </a:p>
@@ -7053,7 +7066,7 @@
           <a:p>
             <a:fld id="{4110DD41-9B81-A544-8498-92133950A0E4}" type="datetime1">
               <a:rPr lang="en-US" smtClean="0"/>
-              <a:t>10/22/24</a:t>
+              <a:t>10/23/24</a:t>
             </a:fld>
             <a:endParaRPr lang="en-US"/>
           </a:p>
@@ -8896,7 +8909,7 @@
           </a:ln>
           <a:extLst>
             <a:ext uri="{C572A759-6A51-4108-AA02-DFA0A04FC94B}">
-              <ma14:wrappingTextBoxFlag xmlns="" xmlns:ma14="http://schemas.microsoft.com/office/mac/drawingml/2011/main" xmlns:a14="http://schemas.microsoft.com/office/drawing/2010/main" xmlns:m="http://schemas.openxmlformats.org/officeDocument/2006/math" val="1"/>
+              <ma14:wrappingTextBoxFlag xmlns:m="http://schemas.openxmlformats.org/officeDocument/2006/math" xmlns:a14="http://schemas.microsoft.com/office/drawing/2010/main" xmlns:ma14="http://schemas.microsoft.com/office/mac/drawingml/2011/main" xmlns="" val="1"/>
             </a:ext>
           </a:extLst>
         </p:spPr>
@@ -8935,7 +8948,7 @@
           </a:ln>
           <a:extLst>
             <a:ext uri="{C572A759-6A51-4108-AA02-DFA0A04FC94B}">
-              <ma14:wrappingTextBoxFlag xmlns="" xmlns:ma14="http://schemas.microsoft.com/office/mac/drawingml/2011/main" xmlns:a14="http://schemas.microsoft.com/office/drawing/2010/main" xmlns:m="http://schemas.openxmlformats.org/officeDocument/2006/math" val="1"/>
+              <ma14:wrappingTextBoxFlag xmlns:m="http://schemas.openxmlformats.org/officeDocument/2006/math" xmlns:a14="http://schemas.microsoft.com/office/drawing/2010/main" xmlns:ma14="http://schemas.microsoft.com/office/mac/drawingml/2011/main" xmlns="" val="1"/>
             </a:ext>
           </a:extLst>
         </p:spPr>
@@ -24289,37 +24302,16 @@
               <a:defRPr/>
             </a:pPr>
             <a:r>
-              <a:rPr kumimoji="0" lang="en-US" sz="2400" b="0" i="0" u="none" strike="noStrike" kern="0" cap="none" spc="0" normalizeH="0" baseline="0" noProof="0" dirty="0">
-                <a:ln>
-                  <a:noFill/>
-                </a:ln>
-                <a:solidFill>
-                  <a:srgbClr val="202020"/>
-                </a:solidFill>
-                <a:effectLst/>
-                <a:uLnTx/>
-                <a:uFillTx/>
-                <a:latin typeface="Gill Sans MT" panose="020B0502020104020203" pitchFamily="34" charset="0"/>
+              <a:rPr lang="en-US" sz="2400">
                 <a:cs typeface="Helvetica"/>
-                <a:sym typeface="Helvetica"/>
-              </a:rPr>
-              <a:t>Check score on Blackboard</a:t>
-            </a:r>
-          </a:p>
-          <a:p>
-            <a:pPr marL="606425" lvl="1" indent="-288925">
-              <a:spcBef>
-                <a:spcPts val="1200"/>
-              </a:spcBef>
-              <a:buFont typeface="Wingdings" pitchFamily="2" charset="2"/>
-              <a:buChar char="Ø"/>
-              <a:defRPr/>
-            </a:pPr>
+              </a:rPr>
+              <a:t>Collect </a:t>
+            </a:r>
             <a:r>
               <a:rPr lang="en-US" sz="2400" dirty="0">
                 <a:cs typeface="Helvetica"/>
               </a:rPr>
-              <a:t>Collect midterm paper after this tutorial</a:t>
+              <a:t>midterm paper after this tutorial</a:t>
             </a:r>
             <a:endParaRPr kumimoji="0" lang="en-US" sz="2400" b="0" i="0" u="none" strike="noStrike" kern="0" cap="none" spc="0" normalizeH="0" baseline="0" noProof="0" dirty="0">
               <a:ln>

--- a/tutorial/T08/tut08.pptx
+++ b/tutorial/T08/tut08.pptx
@@ -6,7 +6,7 @@
     <p:sldMasterId id="2147483674" r:id="rId2"/>
   </p:sldMasterIdLst>
   <p:notesMasterIdLst>
-    <p:notesMasterId r:id="rId24"/>
+    <p:notesMasterId r:id="rId25"/>
   </p:notesMasterIdLst>
   <p:sldIdLst>
     <p:sldId id="613" r:id="rId3"/>
@@ -18,18 +18,19 @@
     <p:sldId id="659" r:id="rId9"/>
     <p:sldId id="660" r:id="rId10"/>
     <p:sldId id="661" r:id="rId11"/>
-    <p:sldId id="2843" r:id="rId12"/>
-    <p:sldId id="662" r:id="rId13"/>
-    <p:sldId id="666" r:id="rId14"/>
-    <p:sldId id="667" r:id="rId15"/>
-    <p:sldId id="668" r:id="rId16"/>
-    <p:sldId id="669" r:id="rId17"/>
-    <p:sldId id="670" r:id="rId18"/>
-    <p:sldId id="663" r:id="rId19"/>
-    <p:sldId id="2840" r:id="rId20"/>
-    <p:sldId id="2841" r:id="rId21"/>
-    <p:sldId id="2842" r:id="rId22"/>
-    <p:sldId id="634" r:id="rId23"/>
+    <p:sldId id="2845" r:id="rId12"/>
+    <p:sldId id="2843" r:id="rId13"/>
+    <p:sldId id="662" r:id="rId14"/>
+    <p:sldId id="666" r:id="rId15"/>
+    <p:sldId id="667" r:id="rId16"/>
+    <p:sldId id="668" r:id="rId17"/>
+    <p:sldId id="669" r:id="rId18"/>
+    <p:sldId id="670" r:id="rId19"/>
+    <p:sldId id="663" r:id="rId20"/>
+    <p:sldId id="2840" r:id="rId21"/>
+    <p:sldId id="2841" r:id="rId22"/>
+    <p:sldId id="2842" r:id="rId23"/>
+    <p:sldId id="634" r:id="rId24"/>
   </p:sldIdLst>
   <p:sldSz cx="12192000" cy="6858000"/>
   <p:notesSz cx="6858000" cy="9144000"/>
@@ -139,7 +140,7 @@
 <file path=ppt/revisionInfo.xml><?xml version="1.0" encoding="utf-8"?>
 <p1510:revInfo xmlns:a="http://schemas.openxmlformats.org/drawingml/2006/main" xmlns:r="http://schemas.openxmlformats.org/officeDocument/2006/relationships" xmlns:p1510="http://schemas.microsoft.com/office/powerpoint/2015/10/main">
   <p1510:revLst>
-    <p1510:client id="{4D4FDBB8-D121-6146-AFA4-5D24E55EB5BD}" v="2" dt="2024-10-22T05:25:36.448"/>
+    <p1510:client id="{4D4FDBB8-D121-6146-AFA4-5D24E55EB5BD}" v="3" dt="2024-10-24T04:28:14.614"/>
   </p1510:revLst>
 </p1510:revInfo>
 </file>
@@ -3968,8 +3969,8 @@
   </pc:docChgLst>
   <pc:docChgLst>
     <pc:chgData name="CHEN, Kaiwen" userId="d2b7700c-ac07-4aef-b2bf-800af199d77b" providerId="ADAL" clId="{4D4FDBB8-D121-6146-AFA4-5D24E55EB5BD}"/>
-    <pc:docChg chg="undo custSel modSld">
-      <pc:chgData name="CHEN, Kaiwen" userId="d2b7700c-ac07-4aef-b2bf-800af199d77b" providerId="ADAL" clId="{4D4FDBB8-D121-6146-AFA4-5D24E55EB5BD}" dt="2024-10-23T06:20:08.597" v="138" actId="20577"/>
+    <pc:docChg chg="undo custSel addSld modSld">
+      <pc:chgData name="CHEN, Kaiwen" userId="d2b7700c-ac07-4aef-b2bf-800af199d77b" providerId="ADAL" clId="{4D4FDBB8-D121-6146-AFA4-5D24E55EB5BD}" dt="2024-10-24T06:05:27.973" v="262" actId="1076"/>
       <pc:docMkLst>
         <pc:docMk/>
       </pc:docMkLst>
@@ -4004,13 +4005,13 @@
         </pc:spChg>
       </pc:sldChg>
       <pc:sldChg chg="addSp modSp mod">
-        <pc:chgData name="CHEN, Kaiwen" userId="d2b7700c-ac07-4aef-b2bf-800af199d77b" providerId="ADAL" clId="{4D4FDBB8-D121-6146-AFA4-5D24E55EB5BD}" dt="2024-10-22T05:25:40.963" v="26" actId="14100"/>
+        <pc:chgData name="CHEN, Kaiwen" userId="d2b7700c-ac07-4aef-b2bf-800af199d77b" providerId="ADAL" clId="{4D4FDBB8-D121-6146-AFA4-5D24E55EB5BD}" dt="2024-10-24T06:05:27.973" v="262" actId="1076"/>
         <pc:sldMkLst>
           <pc:docMk/>
           <pc:sldMk cId="1157754618" sldId="659"/>
         </pc:sldMkLst>
         <pc:spChg chg="add mod">
-          <ac:chgData name="CHEN, Kaiwen" userId="d2b7700c-ac07-4aef-b2bf-800af199d77b" providerId="ADAL" clId="{4D4FDBB8-D121-6146-AFA4-5D24E55EB5BD}" dt="2024-10-22T05:25:27.694" v="23" actId="1076"/>
+          <ac:chgData name="CHEN, Kaiwen" userId="d2b7700c-ac07-4aef-b2bf-800af199d77b" providerId="ADAL" clId="{4D4FDBB8-D121-6146-AFA4-5D24E55EB5BD}" dt="2024-10-24T04:31:46.160" v="220" actId="1076"/>
           <ac:spMkLst>
             <pc:docMk/>
             <pc:sldMk cId="1157754618" sldId="659"/>
@@ -4018,21 +4019,138 @@
           </ac:spMkLst>
         </pc:spChg>
         <pc:spChg chg="mod">
-          <ac:chgData name="CHEN, Kaiwen" userId="d2b7700c-ac07-4aef-b2bf-800af199d77b" providerId="ADAL" clId="{4D4FDBB8-D121-6146-AFA4-5D24E55EB5BD}" dt="2024-10-22T05:25:24.236" v="22" actId="1076"/>
+          <ac:chgData name="CHEN, Kaiwen" userId="d2b7700c-ac07-4aef-b2bf-800af199d77b" providerId="ADAL" clId="{4D4FDBB8-D121-6146-AFA4-5D24E55EB5BD}" dt="2024-10-24T04:31:15.992" v="211" actId="14100"/>
           <ac:spMkLst>
             <pc:docMk/>
             <pc:sldMk cId="1157754618" sldId="659"/>
             <ac:spMk id="6" creationId="{14824D63-9D36-7F96-67CB-798D693398C1}"/>
           </ac:spMkLst>
         </pc:spChg>
+        <pc:spChg chg="mod">
+          <ac:chgData name="CHEN, Kaiwen" userId="d2b7700c-ac07-4aef-b2bf-800af199d77b" providerId="ADAL" clId="{4D4FDBB8-D121-6146-AFA4-5D24E55EB5BD}" dt="2024-10-24T04:30:30.094" v="195" actId="14100"/>
+          <ac:spMkLst>
+            <pc:docMk/>
+            <pc:sldMk cId="1157754618" sldId="659"/>
+            <ac:spMk id="11" creationId="{99D8DC3C-D5E2-BFA1-7874-CCE829104617}"/>
+          </ac:spMkLst>
+        </pc:spChg>
+        <pc:spChg chg="mod">
+          <ac:chgData name="CHEN, Kaiwen" userId="d2b7700c-ac07-4aef-b2bf-800af199d77b" providerId="ADAL" clId="{4D4FDBB8-D121-6146-AFA4-5D24E55EB5BD}" dt="2024-10-24T06:05:27.973" v="262" actId="1076"/>
+          <ac:spMkLst>
+            <pc:docMk/>
+            <pc:sldMk cId="1157754618" sldId="659"/>
+            <ac:spMk id="16" creationId="{60ABDEC1-2509-F551-2F4F-1BBBB7732109}"/>
+          </ac:spMkLst>
+        </pc:spChg>
+        <pc:picChg chg="mod">
+          <ac:chgData name="CHEN, Kaiwen" userId="d2b7700c-ac07-4aef-b2bf-800af199d77b" providerId="ADAL" clId="{4D4FDBB8-D121-6146-AFA4-5D24E55EB5BD}" dt="2024-10-24T04:30:36.418" v="198" actId="1076"/>
+          <ac:picMkLst>
+            <pc:docMk/>
+            <pc:sldMk cId="1157754618" sldId="659"/>
+            <ac:picMk id="5" creationId="{41F10996-45A7-224B-DBE9-2583EF72972C}"/>
+          </ac:picMkLst>
+        </pc:picChg>
         <pc:cxnChg chg="add mod">
-          <ac:chgData name="CHEN, Kaiwen" userId="d2b7700c-ac07-4aef-b2bf-800af199d77b" providerId="ADAL" clId="{4D4FDBB8-D121-6146-AFA4-5D24E55EB5BD}" dt="2024-10-22T05:25:40.963" v="26" actId="14100"/>
+          <ac:chgData name="CHEN, Kaiwen" userId="d2b7700c-ac07-4aef-b2bf-800af199d77b" providerId="ADAL" clId="{4D4FDBB8-D121-6146-AFA4-5D24E55EB5BD}" dt="2024-10-24T04:31:52.523" v="223" actId="14100"/>
           <ac:cxnSpMkLst>
             <pc:docMk/>
             <pc:sldMk cId="1157754618" sldId="659"/>
             <ac:cxnSpMk id="8" creationId="{59B11CAD-5A04-2373-5CBE-863D2507B7E3}"/>
           </ac:cxnSpMkLst>
         </pc:cxnChg>
+        <pc:cxnChg chg="mod">
+          <ac:chgData name="CHEN, Kaiwen" userId="d2b7700c-ac07-4aef-b2bf-800af199d77b" providerId="ADAL" clId="{4D4FDBB8-D121-6146-AFA4-5D24E55EB5BD}" dt="2024-10-24T04:30:30.094" v="195" actId="14100"/>
+          <ac:cxnSpMkLst>
+            <pc:docMk/>
+            <pc:sldMk cId="1157754618" sldId="659"/>
+            <ac:cxnSpMk id="12" creationId="{97095900-A699-7A89-9036-6ED787763AA5}"/>
+          </ac:cxnSpMkLst>
+        </pc:cxnChg>
+        <pc:cxnChg chg="mod">
+          <ac:chgData name="CHEN, Kaiwen" userId="d2b7700c-ac07-4aef-b2bf-800af199d77b" providerId="ADAL" clId="{4D4FDBB8-D121-6146-AFA4-5D24E55EB5BD}" dt="2024-10-24T04:30:34.124" v="196" actId="1076"/>
+          <ac:cxnSpMkLst>
+            <pc:docMk/>
+            <pc:sldMk cId="1157754618" sldId="659"/>
+            <ac:cxnSpMk id="17" creationId="{14AAD3D6-D842-B830-7816-B52F7BE79C25}"/>
+          </ac:cxnSpMkLst>
+        </pc:cxnChg>
+      </pc:sldChg>
+      <pc:sldChg chg="modSp mod">
+        <pc:chgData name="CHEN, Kaiwen" userId="d2b7700c-ac07-4aef-b2bf-800af199d77b" providerId="ADAL" clId="{4D4FDBB8-D121-6146-AFA4-5D24E55EB5BD}" dt="2024-10-24T04:29:29.400" v="183" actId="14100"/>
+        <pc:sldMkLst>
+          <pc:docMk/>
+          <pc:sldMk cId="2666601468" sldId="660"/>
+        </pc:sldMkLst>
+        <pc:spChg chg="mod">
+          <ac:chgData name="CHEN, Kaiwen" userId="d2b7700c-ac07-4aef-b2bf-800af199d77b" providerId="ADAL" clId="{4D4FDBB8-D121-6146-AFA4-5D24E55EB5BD}" dt="2024-10-24T04:29:29.400" v="183" actId="14100"/>
+          <ac:spMkLst>
+            <pc:docMk/>
+            <pc:sldMk cId="2666601468" sldId="660"/>
+            <ac:spMk id="7" creationId="{0CBF8105-41BA-4233-41C9-4D6B97E2FDF5}"/>
+          </ac:spMkLst>
+        </pc:spChg>
+      </pc:sldChg>
+      <pc:sldChg chg="delSp modSp mod">
+        <pc:chgData name="CHEN, Kaiwen" userId="d2b7700c-ac07-4aef-b2bf-800af199d77b" providerId="ADAL" clId="{4D4FDBB8-D121-6146-AFA4-5D24E55EB5BD}" dt="2024-10-24T04:29:07.211" v="178" actId="1076"/>
+        <pc:sldMkLst>
+          <pc:docMk/>
+          <pc:sldMk cId="2777384990" sldId="661"/>
+        </pc:sldMkLst>
+        <pc:spChg chg="mod">
+          <ac:chgData name="CHEN, Kaiwen" userId="d2b7700c-ac07-4aef-b2bf-800af199d77b" providerId="ADAL" clId="{4D4FDBB8-D121-6146-AFA4-5D24E55EB5BD}" dt="2024-10-24T04:28:54.636" v="173" actId="1076"/>
+          <ac:spMkLst>
+            <pc:docMk/>
+            <pc:sldMk cId="2777384990" sldId="661"/>
+            <ac:spMk id="3" creationId="{B161272D-C3A9-7227-9F2F-ECB2E34D5B70}"/>
+          </ac:spMkLst>
+        </pc:spChg>
+        <pc:picChg chg="mod">
+          <ac:chgData name="CHEN, Kaiwen" userId="d2b7700c-ac07-4aef-b2bf-800af199d77b" providerId="ADAL" clId="{4D4FDBB8-D121-6146-AFA4-5D24E55EB5BD}" dt="2024-10-24T04:29:07.211" v="178" actId="1076"/>
+          <ac:picMkLst>
+            <pc:docMk/>
+            <pc:sldMk cId="2777384990" sldId="661"/>
+            <ac:picMk id="5" creationId="{684859E8-BCEA-48B6-18FC-BDF076567EE0}"/>
+          </ac:picMkLst>
+        </pc:picChg>
+        <pc:picChg chg="del">
+          <ac:chgData name="CHEN, Kaiwen" userId="d2b7700c-ac07-4aef-b2bf-800af199d77b" providerId="ADAL" clId="{4D4FDBB8-D121-6146-AFA4-5D24E55EB5BD}" dt="2024-10-24T04:28:12.966" v="156" actId="21"/>
+          <ac:picMkLst>
+            <pc:docMk/>
+            <pc:sldMk cId="2777384990" sldId="661"/>
+            <ac:picMk id="6" creationId="{2186DCAD-55FF-55B8-5297-2C832B13166F}"/>
+          </ac:picMkLst>
+        </pc:picChg>
+      </pc:sldChg>
+      <pc:sldChg chg="addSp modSp new mod">
+        <pc:chgData name="CHEN, Kaiwen" userId="d2b7700c-ac07-4aef-b2bf-800af199d77b" providerId="ADAL" clId="{4D4FDBB8-D121-6146-AFA4-5D24E55EB5BD}" dt="2024-10-24T04:28:43.893" v="171" actId="14100"/>
+        <pc:sldMkLst>
+          <pc:docMk/>
+          <pc:sldMk cId="4148774698" sldId="2845"/>
+        </pc:sldMkLst>
+        <pc:spChg chg="mod">
+          <ac:chgData name="CHEN, Kaiwen" userId="d2b7700c-ac07-4aef-b2bf-800af199d77b" providerId="ADAL" clId="{4D4FDBB8-D121-6146-AFA4-5D24E55EB5BD}" dt="2024-10-24T04:27:50.717" v="147" actId="20577"/>
+          <ac:spMkLst>
+            <pc:docMk/>
+            <pc:sldMk cId="4148774698" sldId="2845"/>
+            <ac:spMk id="2" creationId="{B0DEA019-1B30-698A-4035-AEC9C3420E0A}"/>
+          </ac:spMkLst>
+        </pc:spChg>
+        <pc:spChg chg="mod">
+          <ac:chgData name="CHEN, Kaiwen" userId="d2b7700c-ac07-4aef-b2bf-800af199d77b" providerId="ADAL" clId="{4D4FDBB8-D121-6146-AFA4-5D24E55EB5BD}" dt="2024-10-24T04:28:40.162" v="170" actId="1076"/>
+          <ac:spMkLst>
+            <pc:docMk/>
+            <pc:sldMk cId="4148774698" sldId="2845"/>
+            <ac:spMk id="3" creationId="{D25990E4-E8C3-96DB-DAB4-679360F16739}"/>
+          </ac:spMkLst>
+        </pc:spChg>
+        <pc:picChg chg="add mod">
+          <ac:chgData name="CHEN, Kaiwen" userId="d2b7700c-ac07-4aef-b2bf-800af199d77b" providerId="ADAL" clId="{4D4FDBB8-D121-6146-AFA4-5D24E55EB5BD}" dt="2024-10-24T04:28:43.893" v="171" actId="14100"/>
+          <ac:picMkLst>
+            <pc:docMk/>
+            <pc:sldMk cId="4148774698" sldId="2845"/>
+            <ac:picMk id="5" creationId="{9A10235F-D65C-5A4B-83CB-EB95BE9319F4}"/>
+          </ac:picMkLst>
+        </pc:picChg>
       </pc:sldChg>
     </pc:docChg>
   </pc:docChgLst>
@@ -4387,7 +4505,7 @@
           <a:p>
             <a:fld id="{90751E9F-A845-4914-A3CC-CC345012599B}" type="datetimeFigureOut">
               <a:rPr lang="en-US" smtClean="0"/>
-              <a:t>10/23/24</a:t>
+              <a:t>10/24/24</a:t>
             </a:fld>
             <a:endParaRPr lang="en-US"/>
           </a:p>
@@ -4844,7 +4962,7 @@
           <a:p>
             <a:fld id="{D4EED8A1-9A08-4DDC-ACAE-443678235153}" type="slidenum">
               <a:rPr lang="en-US" smtClean="0"/>
-              <a:t>10</a:t>
+              <a:t>11</a:t>
             </a:fld>
             <a:endParaRPr lang="en-US"/>
           </a:p>
@@ -7066,7 +7184,7 @@
           <a:p>
             <a:fld id="{4110DD41-9B81-A544-8498-92133950A0E4}" type="datetime1">
               <a:rPr lang="en-US" smtClean="0"/>
-              <a:t>10/23/24</a:t>
+              <a:t>10/24/24</a:t>
             </a:fld>
             <a:endParaRPr lang="en-US"/>
           </a:p>
@@ -11036,6 +11154,204 @@
           <p:cNvPr id="2" name="標題 1">
             <a:extLst>
               <a:ext uri="{FF2B5EF4-FFF2-40B4-BE49-F238E27FC236}">
+                <a16:creationId xmlns:a16="http://schemas.microsoft.com/office/drawing/2014/main" id="{B0DEA019-1B30-698A-4035-AEC9C3420E0A}"/>
+              </a:ext>
+            </a:extLst>
+          </p:cNvPr>
+          <p:cNvSpPr>
+            <a:spLocks noGrp="1"/>
+          </p:cNvSpPr>
+          <p:nvPr>
+            <p:ph type="title"/>
+          </p:nvPr>
+        </p:nvSpPr>
+        <p:spPr/>
+        <p:txBody>
+          <a:bodyPr/>
+          <a:lstStyle/>
+          <a:p>
+            <a:r>
+              <a:rPr lang="en-US" altLang="zh-HK" dirty="0"/>
+              <a:t>Question 2(cont.)</a:t>
+            </a:r>
+            <a:endParaRPr kumimoji="1" lang="zh-HK" altLang="en-US" dirty="0"/>
+          </a:p>
+        </p:txBody>
+      </p:sp>
+      <p:sp>
+        <p:nvSpPr>
+          <p:cNvPr id="3" name="文字版面配置區 2">
+            <a:extLst>
+              <a:ext uri="{FF2B5EF4-FFF2-40B4-BE49-F238E27FC236}">
+                <a16:creationId xmlns:a16="http://schemas.microsoft.com/office/drawing/2014/main" id="{D25990E4-E8C3-96DB-DAB4-679360F16739}"/>
+              </a:ext>
+            </a:extLst>
+          </p:cNvPr>
+          <p:cNvSpPr>
+            <a:spLocks noGrp="1"/>
+          </p:cNvSpPr>
+          <p:nvPr>
+            <p:ph type="body" idx="1"/>
+          </p:nvPr>
+        </p:nvSpPr>
+        <p:spPr>
+          <a:xfrm>
+            <a:off x="414965" y="1338424"/>
+            <a:ext cx="4835236" cy="4577467"/>
+          </a:xfrm>
+        </p:spPr>
+        <p:txBody>
+          <a:bodyPr>
+            <a:normAutofit fontScale="92500" lnSpcReduction="10000"/>
+          </a:bodyPr>
+          <a:lstStyle/>
+          <a:p>
+            <a:pPr marL="288925" indent="-288925">
+              <a:buFont typeface="Wingdings" pitchFamily="2" charset="2"/>
+              <a:buChar char="Ø"/>
+              <a:defRPr/>
+            </a:pPr>
+            <a:r>
+              <a:rPr lang="en-US" altLang="zh-CN" sz="2400" dirty="0">
+                <a:cs typeface="Helvetica"/>
+              </a:rPr>
+              <a:t>The fork() function returns different values to the parent and child processes</a:t>
+            </a:r>
+          </a:p>
+          <a:p>
+            <a:pPr marL="606425" lvl="2" indent="-288925">
+              <a:buFont typeface="Wingdings" pitchFamily="2" charset="2"/>
+              <a:buChar char="Ø"/>
+              <a:defRPr/>
+            </a:pPr>
+            <a:r>
+              <a:rPr lang="en-HK" altLang="zh-HK" sz="2500" dirty="0"/>
+              <a:t>In the Parent Process: Returns the Process ID (PID) of the newly created child process (a positive integer).</a:t>
+            </a:r>
+          </a:p>
+          <a:p>
+            <a:pPr marL="606425" lvl="2" indent="-288925">
+              <a:buFont typeface="Wingdings" pitchFamily="2" charset="2"/>
+              <a:buChar char="Ø"/>
+              <a:defRPr/>
+            </a:pPr>
+            <a:r>
+              <a:rPr lang="en-HK" altLang="zh-HK" sz="2500" dirty="0"/>
+              <a:t>In the Child Process: Returns 0.</a:t>
+            </a:r>
+          </a:p>
+          <a:p>
+            <a:pPr marL="606425" lvl="2" indent="-288925">
+              <a:buFont typeface="Wingdings" pitchFamily="2" charset="2"/>
+              <a:buChar char="Ø"/>
+              <a:defRPr/>
+            </a:pPr>
+            <a:r>
+              <a:rPr lang="en-HK" altLang="zh-HK" sz="2500" dirty="0"/>
+              <a:t>On Failure: Returns -1 in the parent process.</a:t>
+            </a:r>
+          </a:p>
+          <a:p>
+            <a:endParaRPr kumimoji="1" lang="zh-HK" altLang="en-US" dirty="0"/>
+          </a:p>
+        </p:txBody>
+      </p:sp>
+      <p:sp>
+        <p:nvSpPr>
+          <p:cNvPr id="4" name="投影片編號版面配置區 3">
+            <a:extLst>
+              <a:ext uri="{FF2B5EF4-FFF2-40B4-BE49-F238E27FC236}">
+                <a16:creationId xmlns:a16="http://schemas.microsoft.com/office/drawing/2014/main" id="{1F633FE1-34A0-1EBA-FADF-EC403A77EAFB}"/>
+              </a:ext>
+            </a:extLst>
+          </p:cNvPr>
+          <p:cNvSpPr>
+            <a:spLocks noGrp="1"/>
+          </p:cNvSpPr>
+          <p:nvPr>
+            <p:ph type="sldNum" sz="quarter" idx="2"/>
+          </p:nvPr>
+        </p:nvSpPr>
+        <p:spPr/>
+        <p:txBody>
+          <a:bodyPr/>
+          <a:lstStyle/>
+          <a:p>
+            <a:fld id="{86CB4B4D-7CA3-9044-876B-883B54F8677D}" type="slidenum">
+              <a:rPr lang="en-US" smtClean="0"/>
+              <a:pPr/>
+              <a:t>10</a:t>
+            </a:fld>
+            <a:endParaRPr lang="en-US"/>
+          </a:p>
+        </p:txBody>
+      </p:sp>
+      <p:pic>
+        <p:nvPicPr>
+          <p:cNvPr id="5" name="圖片 4">
+            <a:extLst>
+              <a:ext uri="{FF2B5EF4-FFF2-40B4-BE49-F238E27FC236}">
+                <a16:creationId xmlns:a16="http://schemas.microsoft.com/office/drawing/2014/main" id="{9A10235F-D65C-5A4B-83CB-EB95BE9319F4}"/>
+              </a:ext>
+            </a:extLst>
+          </p:cNvPr>
+          <p:cNvPicPr>
+            <a:picLocks noChangeAspect="1"/>
+          </p:cNvPicPr>
+          <p:nvPr/>
+        </p:nvPicPr>
+        <p:blipFill>
+          <a:blip r:embed="rId2"/>
+          <a:stretch>
+            <a:fillRect/>
+          </a:stretch>
+        </p:blipFill>
+        <p:spPr>
+          <a:xfrm>
+            <a:off x="5250201" y="1161800"/>
+            <a:ext cx="6526834" cy="4013980"/>
+          </a:xfrm>
+          <a:prstGeom prst="rect">
+            <a:avLst/>
+          </a:prstGeom>
+        </p:spPr>
+      </p:pic>
+    </p:spTree>
+    <p:extLst>
+      <p:ext uri="{BB962C8B-B14F-4D97-AF65-F5344CB8AC3E}">
+        <p14:creationId xmlns:p14="http://schemas.microsoft.com/office/powerpoint/2010/main" val="4148774698"/>
+      </p:ext>
+    </p:extLst>
+  </p:cSld>
+  <p:clrMapOvr>
+    <a:masterClrMapping/>
+  </p:clrMapOvr>
+  <p:transition spd="med"/>
+</p:sld>
+</file>
+
+<file path=ppt/slides/slide11.xml><?xml version="1.0" encoding="utf-8"?>
+<p:sld xmlns:a="http://schemas.openxmlformats.org/drawingml/2006/main" xmlns:r="http://schemas.openxmlformats.org/officeDocument/2006/relationships" xmlns:p="http://schemas.openxmlformats.org/presentationml/2006/main">
+  <p:cSld>
+    <p:spTree>
+      <p:nvGrpSpPr>
+        <p:cNvPr id="1" name=""/>
+        <p:cNvGrpSpPr/>
+        <p:nvPr/>
+      </p:nvGrpSpPr>
+      <p:grpSpPr>
+        <a:xfrm>
+          <a:off x="0" y="0"/>
+          <a:ext cx="0" cy="0"/>
+          <a:chOff x="0" y="0"/>
+          <a:chExt cx="0" cy="0"/>
+        </a:xfrm>
+      </p:grpSpPr>
+      <p:sp>
+        <p:nvSpPr>
+          <p:cNvPr id="2" name="標題 1">
+            <a:extLst>
+              <a:ext uri="{FF2B5EF4-FFF2-40B4-BE49-F238E27FC236}">
                 <a16:creationId xmlns:a16="http://schemas.microsoft.com/office/drawing/2014/main" id="{A0E4A1AF-CD2D-8F01-7FE6-773722EFB1BC}"/>
               </a:ext>
             </a:extLst>
@@ -11114,7 +11430,7 @@
             <a:fld id="{86CB4B4D-7CA3-9044-876B-883B54F8677D}" type="slidenum">
               <a:rPr lang="en-US" smtClean="0"/>
               <a:pPr/>
-              <a:t>10</a:t>
+              <a:t>11</a:t>
             </a:fld>
             <a:endParaRPr lang="en-US"/>
           </a:p>
@@ -11798,7 +12114,7 @@
 </p:sld>
 </file>
 
-<file path=ppt/slides/slide11.xml><?xml version="1.0" encoding="utf-8"?>
+<file path=ppt/slides/slide12.xml><?xml version="1.0" encoding="utf-8"?>
 <p:sld xmlns:a="http://schemas.openxmlformats.org/drawingml/2006/main" xmlns:r="http://schemas.openxmlformats.org/officeDocument/2006/relationships" xmlns:p="http://schemas.openxmlformats.org/presentationml/2006/main">
   <p:cSld>
     <p:spTree>
@@ -11918,7 +12234,7 @@
                 <a:tabLst/>
                 <a:defRPr/>
               </a:pPr>
-              <a:t>11</a:t>
+              <a:t>12</a:t>
             </a:fld>
             <a:endParaRPr kumimoji="0" lang="en-US" sz="1800" b="0" i="0" u="none" strike="noStrike" kern="0" cap="none" spc="0" normalizeH="0" baseline="0" noProof="0">
               <a:ln>
@@ -12203,7 +12519,7 @@
 </p:sld>
 </file>
 
-<file path=ppt/slides/slide12.xml><?xml version="1.0" encoding="utf-8"?>
+<file path=ppt/slides/slide13.xml><?xml version="1.0" encoding="utf-8"?>
 <p:sld xmlns:a="http://schemas.openxmlformats.org/drawingml/2006/main" xmlns:r="http://schemas.openxmlformats.org/officeDocument/2006/relationships" xmlns:p="http://schemas.openxmlformats.org/presentationml/2006/main">
   <p:cSld>
     <p:spTree>
@@ -12331,7 +12647,7 @@
                 <a:tabLst/>
                 <a:defRPr/>
               </a:pPr>
-              <a:t>12</a:t>
+              <a:t>13</a:t>
             </a:fld>
             <a:endParaRPr kumimoji="0" lang="en-US" sz="1800" b="0" i="0" u="none" strike="noStrike" kern="0" cap="none" spc="0" normalizeH="0" baseline="0" noProof="0">
               <a:ln>
@@ -13290,7 +13606,7 @@
 </p:sld>
 </file>
 
-<file path=ppt/slides/slide13.xml><?xml version="1.0" encoding="utf-8"?>
+<file path=ppt/slides/slide14.xml><?xml version="1.0" encoding="utf-8"?>
 <p:sld xmlns:a="http://schemas.openxmlformats.org/drawingml/2006/main" xmlns:r="http://schemas.openxmlformats.org/officeDocument/2006/relationships" xmlns:p="http://schemas.openxmlformats.org/presentationml/2006/main">
   <p:cSld>
     <p:spTree>
@@ -13423,7 +13739,7 @@
                 <a:tabLst/>
                 <a:defRPr/>
               </a:pPr>
-              <a:t>13</a:t>
+              <a:t>14</a:t>
             </a:fld>
             <a:endParaRPr kumimoji="0" lang="en-US" sz="1800" b="0" i="0" u="none" strike="noStrike" kern="0" cap="none" spc="0" normalizeH="0" baseline="0" noProof="0">
               <a:ln>
@@ -14115,7 +14431,7 @@
 </p:sld>
 </file>
 
-<file path=ppt/slides/slide14.xml><?xml version="1.0" encoding="utf-8"?>
+<file path=ppt/slides/slide15.xml><?xml version="1.0" encoding="utf-8"?>
 <p:sld xmlns:a="http://schemas.openxmlformats.org/drawingml/2006/main" xmlns:r="http://schemas.openxmlformats.org/officeDocument/2006/relationships" xmlns:p="http://schemas.openxmlformats.org/presentationml/2006/main">
   <p:cSld>
     <p:spTree>
@@ -14235,7 +14551,7 @@
                 <a:tabLst/>
                 <a:defRPr/>
               </a:pPr>
-              <a:t>14</a:t>
+              <a:t>15</a:t>
             </a:fld>
             <a:endParaRPr kumimoji="0" lang="en-US" sz="1800" b="0" i="0" u="none" strike="noStrike" kern="0" cap="none" spc="0" normalizeH="0" baseline="0" noProof="0">
               <a:ln>
@@ -17623,7 +17939,7 @@
 </p:sld>
 </file>
 
-<file path=ppt/slides/slide15.xml><?xml version="1.0" encoding="utf-8"?>
+<file path=ppt/slides/slide16.xml><?xml version="1.0" encoding="utf-8"?>
 <p:sld xmlns:a="http://schemas.openxmlformats.org/drawingml/2006/main" xmlns:r="http://schemas.openxmlformats.org/officeDocument/2006/relationships" xmlns:p="http://schemas.openxmlformats.org/presentationml/2006/main">
   <p:cSld>
     <p:spTree>
@@ -17743,7 +18059,7 @@
                 <a:tabLst/>
                 <a:defRPr/>
               </a:pPr>
-              <a:t>15</a:t>
+              <a:t>16</a:t>
             </a:fld>
             <a:endParaRPr kumimoji="0" lang="en-US" sz="1800" b="0" i="0" u="none" strike="noStrike" kern="0" cap="none" spc="0" normalizeH="0" baseline="0" noProof="0">
               <a:ln>
@@ -20840,7 +21156,7 @@
 </p:sld>
 </file>
 
-<file path=ppt/slides/slide16.xml><?xml version="1.0" encoding="utf-8"?>
+<file path=ppt/slides/slide17.xml><?xml version="1.0" encoding="utf-8"?>
 <p:sld xmlns:a="http://schemas.openxmlformats.org/drawingml/2006/main" xmlns:r="http://schemas.openxmlformats.org/officeDocument/2006/relationships" xmlns:p="http://schemas.openxmlformats.org/presentationml/2006/main">
   <p:cSld>
     <p:spTree>
@@ -23032,7 +23348,7 @@
 </p:sld>
 </file>
 
-<file path=ppt/slides/slide17.xml><?xml version="1.0" encoding="utf-8"?>
+<file path=ppt/slides/slide18.xml><?xml version="1.0" encoding="utf-8"?>
 <p:sld xmlns:a="http://schemas.openxmlformats.org/drawingml/2006/main" xmlns:r="http://schemas.openxmlformats.org/officeDocument/2006/relationships" xmlns:p="http://schemas.openxmlformats.org/presentationml/2006/main">
   <p:cSld>
     <p:spTree>
@@ -23152,7 +23468,7 @@
                 <a:tabLst/>
                 <a:defRPr/>
               </a:pPr>
-              <a:t>17</a:t>
+              <a:t>18</a:t>
             </a:fld>
             <a:endParaRPr kumimoji="0" lang="en-US" sz="1800" b="0" i="0" u="none" strike="noStrike" kern="0" cap="none" spc="0" normalizeH="0" baseline="0" noProof="0">
               <a:ln>
@@ -23383,446 +23699,6 @@
 </p:sld>
 </file>
 
-<file path=ppt/slides/slide18.xml><?xml version="1.0" encoding="utf-8"?>
-<p:sld xmlns:a="http://schemas.openxmlformats.org/drawingml/2006/main" xmlns:r="http://schemas.openxmlformats.org/officeDocument/2006/relationships" xmlns:p="http://schemas.openxmlformats.org/presentationml/2006/main">
-  <p:cSld>
-    <p:spTree>
-      <p:nvGrpSpPr>
-        <p:cNvPr id="1" name=""/>
-        <p:cNvGrpSpPr/>
-        <p:nvPr/>
-      </p:nvGrpSpPr>
-      <p:grpSpPr>
-        <a:xfrm>
-          <a:off x="0" y="0"/>
-          <a:ext cx="0" cy="0"/>
-          <a:chOff x="0" y="0"/>
-          <a:chExt cx="0" cy="0"/>
-        </a:xfrm>
-      </p:grpSpPr>
-      <p:sp>
-        <p:nvSpPr>
-          <p:cNvPr id="2" name="제목 1"/>
-          <p:cNvSpPr>
-            <a:spLocks noGrp="1"/>
-          </p:cNvSpPr>
-          <p:nvPr>
-            <p:ph type="title"/>
-          </p:nvPr>
-        </p:nvSpPr>
-        <p:spPr/>
-        <p:txBody>
-          <a:bodyPr/>
-          <a:lstStyle/>
-          <a:p>
-            <a:r>
-              <a:rPr lang="en-US" altLang="ko-KR" dirty="0"/>
-              <a:t>Recap: </a:t>
-            </a:r>
-            <a:r>
-              <a:rPr lang="en-US" altLang="ko-KR" dirty="0" err="1"/>
-              <a:t>sem_wait</a:t>
-            </a:r>
-            <a:r>
-              <a:rPr lang="en-US" altLang="ko-KR" dirty="0"/>
-              <a:t> (from lec7)</a:t>
-            </a:r>
-            <a:endParaRPr lang="ko-KR" altLang="en-US" dirty="0"/>
-          </a:p>
-        </p:txBody>
-      </p:sp>
-      <p:sp>
-        <p:nvSpPr>
-          <p:cNvPr id="3" name="내용 개체 틀 2"/>
-          <p:cNvSpPr>
-            <a:spLocks noGrp="1"/>
-          </p:cNvSpPr>
-          <p:nvPr>
-            <p:ph idx="1"/>
-          </p:nvPr>
-        </p:nvSpPr>
-        <p:spPr>
-          <a:xfrm>
-            <a:off x="285751" y="880070"/>
-            <a:ext cx="11715749" cy="4254214"/>
-          </a:xfrm>
-        </p:spPr>
-        <p:txBody>
-          <a:bodyPr/>
-          <a:lstStyle/>
-          <a:p>
-            <a:r>
-              <a:rPr lang="en-US" altLang="ko-KR" dirty="0" err="1">
-                <a:latin typeface="Courier New" panose="02070309020205020404" pitchFamily="49" charset="0"/>
-                <a:cs typeface="Courier New" panose="02070309020205020404" pitchFamily="49" charset="0"/>
-              </a:rPr>
-              <a:t>sem_wait</a:t>
-            </a:r>
-            <a:r>
-              <a:rPr lang="en-US" altLang="ko-KR" dirty="0">
-                <a:latin typeface="Courier New" panose="02070309020205020404" pitchFamily="49" charset="0"/>
-                <a:cs typeface="Courier New" panose="02070309020205020404" pitchFamily="49" charset="0"/>
-              </a:rPr>
-              <a:t>()</a:t>
-            </a:r>
-          </a:p>
-          <a:p>
-            <a:pPr lvl="2"/>
-            <a:endParaRPr lang="en-US" altLang="ko-KR" dirty="0"/>
-          </a:p>
-          <a:p>
-            <a:pPr lvl="2"/>
-            <a:endParaRPr lang="en-US" altLang="ko-KR" dirty="0"/>
-          </a:p>
-          <a:p>
-            <a:pPr lvl="2"/>
-            <a:endParaRPr lang="en-US" altLang="ko-KR" dirty="0"/>
-          </a:p>
-          <a:p>
-            <a:pPr lvl="1"/>
-            <a:r>
-              <a:rPr lang="en-US" altLang="ko-KR" dirty="0"/>
-              <a:t>If the value of the semaphore was </a:t>
-            </a:r>
-            <a:r>
-              <a:rPr lang="en-US" altLang="ko-KR" i="1" dirty="0"/>
-              <a:t>one</a:t>
-            </a:r>
-            <a:r>
-              <a:rPr lang="en-US" altLang="ko-KR" dirty="0"/>
-              <a:t> or </a:t>
-            </a:r>
-            <a:r>
-              <a:rPr lang="en-US" altLang="ko-KR" i="1" dirty="0"/>
-              <a:t>higher</a:t>
-            </a:r>
-            <a:r>
-              <a:rPr lang="en-US" altLang="ko-KR" dirty="0"/>
-              <a:t> when called </a:t>
-            </a:r>
-            <a:r>
-              <a:rPr lang="en-US" altLang="ko-KR" dirty="0" err="1">
-                <a:latin typeface="Courier New" panose="02070309020205020404" pitchFamily="49" charset="0"/>
-                <a:cs typeface="Courier New" panose="02070309020205020404" pitchFamily="49" charset="0"/>
-              </a:rPr>
-              <a:t>sem_wait</a:t>
-            </a:r>
-            <a:r>
-              <a:rPr lang="en-US" altLang="ko-KR" dirty="0">
-                <a:latin typeface="Courier New" panose="02070309020205020404" pitchFamily="49" charset="0"/>
-                <a:cs typeface="Courier New" panose="02070309020205020404" pitchFamily="49" charset="0"/>
-              </a:rPr>
-              <a:t>()</a:t>
-            </a:r>
-            <a:r>
-              <a:rPr lang="en-US" altLang="ko-KR" dirty="0"/>
-              <a:t>, </a:t>
-            </a:r>
-            <a:r>
-              <a:rPr lang="en-US" altLang="ko-KR" b="1" dirty="0"/>
-              <a:t>return right away</a:t>
-            </a:r>
-            <a:r>
-              <a:rPr lang="en-US" altLang="ko-KR" dirty="0"/>
-              <a:t>.</a:t>
-            </a:r>
-          </a:p>
-          <a:p>
-            <a:pPr lvl="1"/>
-            <a:r>
-              <a:rPr lang="en-US" altLang="ko-KR" dirty="0"/>
-              <a:t>It will cause the caller to </a:t>
-            </a:r>
-            <a:r>
-              <a:rPr lang="en-US" altLang="ko-KR" u="sng" dirty="0"/>
-              <a:t>suspend execution</a:t>
-            </a:r>
-            <a:r>
-              <a:rPr lang="en-US" altLang="ko-KR" dirty="0"/>
-              <a:t> waiting for a subsequent post.</a:t>
-            </a:r>
-          </a:p>
-          <a:p>
-            <a:pPr lvl="1"/>
-            <a:r>
-              <a:rPr lang="en-US" altLang="ko-KR" dirty="0"/>
-              <a:t>When negative, the value of the semaphore is equal to the number of waiting threads.</a:t>
-            </a:r>
-          </a:p>
-          <a:p>
-            <a:pPr lvl="1"/>
-            <a:endParaRPr lang="en-US" altLang="ko-KR" dirty="0"/>
-          </a:p>
-          <a:p>
-            <a:endParaRPr lang="en-US" altLang="ko-KR" dirty="0"/>
-          </a:p>
-          <a:p>
-            <a:pPr lvl="1"/>
-            <a:endParaRPr lang="en-US" altLang="ko-KR" dirty="0"/>
-          </a:p>
-          <a:p>
-            <a:pPr lvl="1"/>
-            <a:endParaRPr lang="en-US" altLang="ko-KR" dirty="0"/>
-          </a:p>
-          <a:p>
-            <a:pPr lvl="1"/>
-            <a:endParaRPr lang="en-US" altLang="ko-KR" dirty="0"/>
-          </a:p>
-          <a:p>
-            <a:endParaRPr lang="en-US" altLang="ko-KR" dirty="0"/>
-          </a:p>
-          <a:p>
-            <a:endParaRPr lang="en-US" altLang="ko-KR" dirty="0"/>
-          </a:p>
-          <a:p>
-            <a:endParaRPr lang="en-US" altLang="ko-KR" dirty="0"/>
-          </a:p>
-        </p:txBody>
-      </p:sp>
-      <p:sp>
-        <p:nvSpPr>
-          <p:cNvPr id="4" name="슬라이드 번호 개체 틀 3"/>
-          <p:cNvSpPr>
-            <a:spLocks noGrp="1"/>
-          </p:cNvSpPr>
-          <p:nvPr>
-            <p:ph type="sldNum" sz="quarter" idx="11"/>
-          </p:nvPr>
-        </p:nvSpPr>
-        <p:spPr/>
-        <p:txBody>
-          <a:bodyPr/>
-          <a:lstStyle/>
-          <a:p>
-            <a:pPr latinLnBrk="1">
-              <a:defRPr/>
-            </a:pPr>
-            <a:fld id="{515CC4ED-1449-4712-AE45-EBC263B4DD26}" type="slidenum">
-              <a:rPr lang="en-US" altLang="ko-KR">
-                <a:solidFill>
-                  <a:srgbClr val="1F497D">
-                    <a:lumMod val="50000"/>
-                  </a:srgbClr>
-                </a:solidFill>
-              </a:rPr>
-              <a:pPr latinLnBrk="1">
-                <a:defRPr/>
-              </a:pPr>
-              <a:t>18</a:t>
-            </a:fld>
-            <a:r>
-              <a:rPr lang="en-US" altLang="ko-KR">
-                <a:solidFill>
-                  <a:srgbClr val="1F497D">
-                    <a:lumMod val="50000"/>
-                  </a:srgbClr>
-                </a:solidFill>
-              </a:rPr>
-              <a:t> </a:t>
-            </a:r>
-          </a:p>
-        </p:txBody>
-      </p:sp>
-      <p:sp>
-        <p:nvSpPr>
-          <p:cNvPr id="5" name="바닥글 개체 틀 4"/>
-          <p:cNvSpPr>
-            <a:spLocks noGrp="1"/>
-          </p:cNvSpPr>
-          <p:nvPr>
-            <p:ph type="ftr" sz="quarter" idx="3"/>
-          </p:nvPr>
-        </p:nvSpPr>
-        <p:spPr/>
-        <p:txBody>
-          <a:bodyPr/>
-          <a:lstStyle/>
-          <a:p>
-            <a:pPr latinLnBrk="1">
-              <a:defRPr/>
-            </a:pPr>
-            <a:r>
-              <a:rPr lang="en-US" altLang="ko-KR">
-                <a:solidFill>
-                  <a:prstClr val="black"/>
-                </a:solidFill>
-              </a:rPr>
-              <a:t>CSCI3150 Intro to OS</a:t>
-            </a:r>
-            <a:endParaRPr lang="ko-KR" altLang="en-US">
-              <a:solidFill>
-                <a:prstClr val="black"/>
-              </a:solidFill>
-            </a:endParaRPr>
-          </a:p>
-        </p:txBody>
-      </p:sp>
-      <p:sp>
-        <p:nvSpPr>
-          <p:cNvPr id="9" name="TextBox 8"/>
-          <p:cNvSpPr txBox="1"/>
-          <p:nvPr/>
-        </p:nvSpPr>
-        <p:spPr>
-          <a:xfrm>
-            <a:off x="2315580" y="1538790"/>
-            <a:ext cx="7596844" cy="954107"/>
-          </a:xfrm>
-          <a:prstGeom prst="rect">
-            <a:avLst/>
-          </a:prstGeom>
-          <a:noFill/>
-          <a:ln>
-            <a:solidFill>
-              <a:schemeClr val="tx1"/>
-            </a:solidFill>
-          </a:ln>
-        </p:spPr>
-        <p:txBody>
-          <a:bodyPr wrap="square" rtlCol="0">
-            <a:spAutoFit/>
-          </a:bodyPr>
-          <a:lstStyle/>
-          <a:p>
-            <a:pPr latinLnBrk="1"/>
-            <a:r>
-              <a:rPr lang="en-US" altLang="ko-KR" sz="1400" dirty="0">
-                <a:solidFill>
-                  <a:prstClr val="black"/>
-                </a:solidFill>
-                <a:latin typeface="Courier New" panose="02070309020205020404" pitchFamily="49" charset="0"/>
-                <a:ea typeface="굴림"/>
-                <a:cs typeface="Courier New" panose="02070309020205020404" pitchFamily="49" charset="0"/>
-              </a:rPr>
-              <a:t>1  </a:t>
-            </a:r>
-            <a:r>
-              <a:rPr lang="en-US" altLang="ko-KR" sz="1400" dirty="0" err="1">
-                <a:solidFill>
-                  <a:srgbClr val="00B050"/>
-                </a:solidFill>
-                <a:latin typeface="Courier New" panose="02070309020205020404" pitchFamily="49" charset="0"/>
-                <a:ea typeface="굴림"/>
-                <a:cs typeface="Courier New" panose="02070309020205020404" pitchFamily="49" charset="0"/>
-              </a:rPr>
-              <a:t>int</a:t>
-            </a:r>
-            <a:r>
-              <a:rPr lang="en-US" altLang="ko-KR" sz="1400" dirty="0">
-                <a:solidFill>
-                  <a:srgbClr val="00B050"/>
-                </a:solidFill>
-                <a:latin typeface="Courier New" panose="02070309020205020404" pitchFamily="49" charset="0"/>
-                <a:ea typeface="굴림"/>
-                <a:cs typeface="Courier New" panose="02070309020205020404" pitchFamily="49" charset="0"/>
-              </a:rPr>
-              <a:t> </a:t>
-            </a:r>
-            <a:r>
-              <a:rPr lang="en-US" altLang="ko-KR" sz="1400" dirty="0" err="1">
-                <a:solidFill>
-                  <a:prstClr val="black"/>
-                </a:solidFill>
-                <a:latin typeface="Courier New" panose="02070309020205020404" pitchFamily="49" charset="0"/>
-                <a:ea typeface="굴림"/>
-                <a:cs typeface="Courier New" panose="02070309020205020404" pitchFamily="49" charset="0"/>
-              </a:rPr>
-              <a:t>sem_wait</a:t>
-            </a:r>
-            <a:r>
-              <a:rPr lang="en-US" altLang="ko-KR" sz="1400" dirty="0">
-                <a:solidFill>
-                  <a:prstClr val="black"/>
-                </a:solidFill>
-                <a:latin typeface="Courier New" panose="02070309020205020404" pitchFamily="49" charset="0"/>
-                <a:ea typeface="굴림"/>
-                <a:cs typeface="Courier New" panose="02070309020205020404" pitchFamily="49" charset="0"/>
-              </a:rPr>
-              <a:t>(</a:t>
-            </a:r>
-            <a:r>
-              <a:rPr lang="en-US" altLang="ko-KR" sz="1400" dirty="0" err="1">
-                <a:solidFill>
-                  <a:prstClr val="black"/>
-                </a:solidFill>
-                <a:latin typeface="Courier New" panose="02070309020205020404" pitchFamily="49" charset="0"/>
-                <a:ea typeface="굴림"/>
-                <a:cs typeface="Courier New" panose="02070309020205020404" pitchFamily="49" charset="0"/>
-              </a:rPr>
-              <a:t>sem_t</a:t>
-            </a:r>
-            <a:r>
-              <a:rPr lang="en-US" altLang="ko-KR" sz="1400" dirty="0">
-                <a:solidFill>
-                  <a:prstClr val="black"/>
-                </a:solidFill>
-                <a:latin typeface="Courier New" panose="02070309020205020404" pitchFamily="49" charset="0"/>
-                <a:ea typeface="굴림"/>
-                <a:cs typeface="Courier New" panose="02070309020205020404" pitchFamily="49" charset="0"/>
-              </a:rPr>
-              <a:t> *s) { </a:t>
-            </a:r>
-          </a:p>
-          <a:p>
-            <a:pPr latinLnBrk="1"/>
-            <a:r>
-              <a:rPr lang="en-US" altLang="ko-KR" sz="1400" dirty="0">
-                <a:solidFill>
-                  <a:prstClr val="black"/>
-                </a:solidFill>
-                <a:latin typeface="Courier New" panose="02070309020205020404" pitchFamily="49" charset="0"/>
-                <a:ea typeface="굴림"/>
-                <a:cs typeface="Courier New" panose="02070309020205020404" pitchFamily="49" charset="0"/>
-              </a:rPr>
-              <a:t>2  	decrement the value of semaphore s by one </a:t>
-            </a:r>
-          </a:p>
-          <a:p>
-            <a:pPr latinLnBrk="1"/>
-            <a:r>
-              <a:rPr lang="en-US" altLang="ko-KR" sz="1400" dirty="0">
-                <a:solidFill>
-                  <a:prstClr val="black"/>
-                </a:solidFill>
-                <a:latin typeface="Courier New" panose="02070309020205020404" pitchFamily="49" charset="0"/>
-                <a:ea typeface="굴림"/>
-                <a:cs typeface="Courier New" panose="02070309020205020404" pitchFamily="49" charset="0"/>
-              </a:rPr>
-              <a:t>3   	wait if value of semaphore s is negative </a:t>
-            </a:r>
-          </a:p>
-          <a:p>
-            <a:pPr latinLnBrk="1"/>
-            <a:r>
-              <a:rPr lang="en-US" altLang="ko-KR" sz="1400" dirty="0">
-                <a:solidFill>
-                  <a:prstClr val="black"/>
-                </a:solidFill>
-                <a:latin typeface="Courier New" panose="02070309020205020404" pitchFamily="49" charset="0"/>
-                <a:ea typeface="굴림"/>
-                <a:cs typeface="Courier New" panose="02070309020205020404" pitchFamily="49" charset="0"/>
-              </a:rPr>
-              <a:t>4  } </a:t>
-            </a:r>
-          </a:p>
-        </p:txBody>
-      </p:sp>
-    </p:spTree>
-    <p:extLst>
-      <p:ext uri="{BB962C8B-B14F-4D97-AF65-F5344CB8AC3E}">
-        <p14:creationId xmlns:p14="http://schemas.microsoft.com/office/powerpoint/2010/main" val="3847876216"/>
-      </p:ext>
-    </p:extLst>
-  </p:cSld>
-  <p:clrMapOvr>
-    <a:masterClrMapping/>
-  </p:clrMapOvr>
-  <p:transition>
-    <p:zoom/>
-  </p:transition>
-</p:sld>
-</file>
-
 <file path=ppt/slides/slide19.xml><?xml version="1.0" encoding="utf-8"?>
 <p:sld xmlns:a="http://schemas.openxmlformats.org/drawingml/2006/main" xmlns:r="http://schemas.openxmlformats.org/officeDocument/2006/relationships" xmlns:p="http://schemas.openxmlformats.org/presentationml/2006/main">
   <p:cSld>
@@ -23861,7 +23737,7 @@
             </a:r>
             <a:r>
               <a:rPr lang="en-US" altLang="ko-KR" dirty="0" err="1"/>
-              <a:t>sem_post</a:t>
+              <a:t>sem_wait</a:t>
             </a:r>
             <a:r>
               <a:rPr lang="en-US" altLang="ko-KR" dirty="0"/>
@@ -23881,7 +23757,12 @@
             <p:ph idx="1"/>
           </p:nvPr>
         </p:nvSpPr>
-        <p:spPr/>
+        <p:spPr>
+          <a:xfrm>
+            <a:off x="285751" y="880070"/>
+            <a:ext cx="11715749" cy="4254214"/>
+          </a:xfrm>
+        </p:spPr>
         <p:txBody>
           <a:bodyPr/>
           <a:lstStyle/>
@@ -23891,7 +23772,7 @@
                 <a:latin typeface="Courier New" panose="02070309020205020404" pitchFamily="49" charset="0"/>
                 <a:cs typeface="Courier New" panose="02070309020205020404" pitchFamily="49" charset="0"/>
               </a:rPr>
-              <a:t>sem_post</a:t>
+              <a:t>sem_wait</a:t>
             </a:r>
             <a:r>
               <a:rPr lang="en-US" altLang="ko-KR" dirty="0">
@@ -23917,31 +23798,76 @@
             <a:pPr lvl="1"/>
             <a:r>
               <a:rPr lang="en-US" altLang="ko-KR" dirty="0"/>
-              <a:t>Simply </a:t>
+              <a:t>If the value of the semaphore was </a:t>
+            </a:r>
+            <a:r>
+              <a:rPr lang="en-US" altLang="ko-KR" i="1" dirty="0"/>
+              <a:t>one</a:t>
+            </a:r>
+            <a:r>
+              <a:rPr lang="en-US" altLang="ko-KR" dirty="0"/>
+              <a:t> or </a:t>
+            </a:r>
+            <a:r>
+              <a:rPr lang="en-US" altLang="ko-KR" i="1" dirty="0"/>
+              <a:t>higher</a:t>
+            </a:r>
+            <a:r>
+              <a:rPr lang="en-US" altLang="ko-KR" dirty="0"/>
+              <a:t> when called </a:t>
+            </a:r>
+            <a:r>
+              <a:rPr lang="en-US" altLang="ko-KR" dirty="0" err="1">
+                <a:latin typeface="Courier New" panose="02070309020205020404" pitchFamily="49" charset="0"/>
+                <a:cs typeface="Courier New" panose="02070309020205020404" pitchFamily="49" charset="0"/>
+              </a:rPr>
+              <a:t>sem_wait</a:t>
+            </a:r>
+            <a:r>
+              <a:rPr lang="en-US" altLang="ko-KR" dirty="0">
+                <a:latin typeface="Courier New" panose="02070309020205020404" pitchFamily="49" charset="0"/>
+                <a:cs typeface="Courier New" panose="02070309020205020404" pitchFamily="49" charset="0"/>
+              </a:rPr>
+              <a:t>()</a:t>
+            </a:r>
+            <a:r>
+              <a:rPr lang="en-US" altLang="ko-KR" dirty="0"/>
+              <a:t>, </a:t>
             </a:r>
             <a:r>
               <a:rPr lang="en-US" altLang="ko-KR" b="1" dirty="0"/>
-              <a:t>increments</a:t>
+              <a:t>return right away</a:t>
             </a:r>
             <a:r>
               <a:rPr lang="en-US" altLang="ko-KR" dirty="0"/>
-              <a:t> the value of the semaphore.</a:t>
+              <a:t>.</a:t>
             </a:r>
           </a:p>
           <a:p>
             <a:pPr lvl="1"/>
             <a:r>
               <a:rPr lang="en-US" altLang="ko-KR" dirty="0"/>
-              <a:t>If there is a thread waiting to be woken, </a:t>
-            </a:r>
-            <a:r>
-              <a:rPr lang="en-US" altLang="ko-KR" b="1" dirty="0"/>
-              <a:t>wakes </a:t>
+              <a:t>It will cause the caller to </a:t>
+            </a:r>
+            <a:r>
+              <a:rPr lang="en-US" altLang="ko-KR" u="sng" dirty="0"/>
+              <a:t>suspend execution</a:t>
             </a:r>
             <a:r>
               <a:rPr lang="en-US" altLang="ko-KR" dirty="0"/>
-              <a:t>one of them up.</a:t>
-            </a:r>
+              <a:t> waiting for a subsequent post.</a:t>
+            </a:r>
+          </a:p>
+          <a:p>
+            <a:pPr lvl="1"/>
+            <a:r>
+              <a:rPr lang="en-US" altLang="ko-KR" dirty="0"/>
+              <a:t>When negative, the value of the semaphore is equal to the number of waiting threads.</a:t>
+            </a:r>
+          </a:p>
+          <a:p>
+            <a:pPr lvl="1"/>
+            <a:endParaRPr lang="en-US" altLang="ko-KR" dirty="0"/>
           </a:p>
           <a:p>
             <a:endParaRPr lang="en-US" altLang="ko-KR" dirty="0"/>
@@ -23984,18 +23910,18 @@
           <a:bodyPr/>
           <a:lstStyle/>
           <a:p>
-            <a:pPr>
+            <a:pPr latinLnBrk="1">
               <a:defRPr/>
             </a:pPr>
             <a:fld id="{515CC4ED-1449-4712-AE45-EBC263B4DD26}" type="slidenum">
-              <a:rPr lang="en-US" altLang="ko-KR" smtClean="0">
+              <a:rPr lang="en-US" altLang="ko-KR">
                 <a:solidFill>
                   <a:srgbClr val="1F497D">
                     <a:lumMod val="50000"/>
                   </a:srgbClr>
                 </a:solidFill>
               </a:rPr>
-              <a:pPr>
+              <a:pPr latinLnBrk="1">
                 <a:defRPr/>
               </a:pPr>
               <a:t>19</a:t>
@@ -24028,7 +23954,7 @@
           <a:bodyPr/>
           <a:lstStyle/>
           <a:p>
-            <a:pPr>
+            <a:pPr latinLnBrk="1">
               <a:defRPr/>
             </a:pPr>
             <a:r>
@@ -24049,7 +23975,7 @@
       </p:sp>
       <p:sp>
         <p:nvSpPr>
-          <p:cNvPr id="7" name="TextBox 6"/>
+          <p:cNvPr id="9" name="TextBox 8"/>
           <p:cNvSpPr txBox="1"/>
           <p:nvPr/>
         </p:nvSpPr>
@@ -24074,12 +24000,14 @@
           </a:bodyPr>
           <a:lstStyle/>
           <a:p>
+            <a:pPr latinLnBrk="1"/>
             <a:r>
               <a:rPr lang="en-US" altLang="ko-KR" sz="1400" dirty="0">
                 <a:solidFill>
                   <a:prstClr val="black"/>
                 </a:solidFill>
                 <a:latin typeface="Courier New" panose="02070309020205020404" pitchFamily="49" charset="0"/>
+                <a:ea typeface="굴림"/>
                 <a:cs typeface="Courier New" panose="02070309020205020404" pitchFamily="49" charset="0"/>
               </a:rPr>
               <a:t>1  </a:t>
@@ -24090,6 +24018,7 @@
                   <a:srgbClr val="00B050"/>
                 </a:solidFill>
                 <a:latin typeface="Courier New" panose="02070309020205020404" pitchFamily="49" charset="0"/>
+                <a:ea typeface="굴림"/>
                 <a:cs typeface="Courier New" panose="02070309020205020404" pitchFamily="49" charset="0"/>
               </a:rPr>
               <a:t>int</a:t>
@@ -24100,6 +24029,7 @@
                   <a:srgbClr val="00B050"/>
                 </a:solidFill>
                 <a:latin typeface="Courier New" panose="02070309020205020404" pitchFamily="49" charset="0"/>
+                <a:ea typeface="굴림"/>
                 <a:cs typeface="Courier New" panose="02070309020205020404" pitchFamily="49" charset="0"/>
               </a:rPr>
               <a:t> </a:t>
@@ -24110,9 +24040,10 @@
                   <a:prstClr val="black"/>
                 </a:solidFill>
                 <a:latin typeface="Courier New" panose="02070309020205020404" pitchFamily="49" charset="0"/>
+                <a:ea typeface="굴림"/>
                 <a:cs typeface="Courier New" panose="02070309020205020404" pitchFamily="49" charset="0"/>
               </a:rPr>
-              <a:t>sem_post</a:t>
+              <a:t>sem_wait</a:t>
             </a:r>
             <a:r>
               <a:rPr lang="en-US" altLang="ko-KR" sz="1400" dirty="0">
@@ -24120,6 +24051,7 @@
                   <a:prstClr val="black"/>
                 </a:solidFill>
                 <a:latin typeface="Courier New" panose="02070309020205020404" pitchFamily="49" charset="0"/>
+                <a:ea typeface="굴림"/>
                 <a:cs typeface="Courier New" panose="02070309020205020404" pitchFamily="49" charset="0"/>
               </a:rPr>
               <a:t>(</a:t>
@@ -24130,6 +24062,7 @@
                   <a:prstClr val="black"/>
                 </a:solidFill>
                 <a:latin typeface="Courier New" panose="02070309020205020404" pitchFamily="49" charset="0"/>
+                <a:ea typeface="굴림"/>
                 <a:cs typeface="Courier New" panose="02070309020205020404" pitchFamily="49" charset="0"/>
               </a:rPr>
               <a:t>sem_t</a:t>
@@ -24140,61 +24073,60 @@
                   <a:prstClr val="black"/>
                 </a:solidFill>
                 <a:latin typeface="Courier New" panose="02070309020205020404" pitchFamily="49" charset="0"/>
+                <a:ea typeface="굴림"/>
                 <a:cs typeface="Courier New" panose="02070309020205020404" pitchFamily="49" charset="0"/>
               </a:rPr>
               <a:t> *s) { </a:t>
             </a:r>
           </a:p>
           <a:p>
+            <a:pPr latinLnBrk="1"/>
             <a:r>
               <a:rPr lang="en-US" altLang="ko-KR" sz="1400" dirty="0">
                 <a:solidFill>
                   <a:prstClr val="black"/>
                 </a:solidFill>
                 <a:latin typeface="Courier New" panose="02070309020205020404" pitchFamily="49" charset="0"/>
+                <a:ea typeface="굴림"/>
                 <a:cs typeface="Courier New" panose="02070309020205020404" pitchFamily="49" charset="0"/>
               </a:rPr>
-              <a:t>2   	increment the value of semaphore s by one </a:t>
-            </a:r>
-          </a:p>
-          <a:p>
+              <a:t>2  	decrement the value of semaphore s by one </a:t>
+            </a:r>
+          </a:p>
+          <a:p>
+            <a:pPr latinLnBrk="1"/>
             <a:r>
               <a:rPr lang="en-US" altLang="ko-KR" sz="1400" dirty="0">
                 <a:solidFill>
                   <a:prstClr val="black"/>
                 </a:solidFill>
                 <a:latin typeface="Courier New" panose="02070309020205020404" pitchFamily="49" charset="0"/>
+                <a:ea typeface="굴림"/>
                 <a:cs typeface="Courier New" panose="02070309020205020404" pitchFamily="49" charset="0"/>
               </a:rPr>
-              <a:t>3   	if there are one or more threads waiting, wake one </a:t>
-            </a:r>
-          </a:p>
-          <a:p>
+              <a:t>3   	wait if value of semaphore s is negative </a:t>
+            </a:r>
+          </a:p>
+          <a:p>
+            <a:pPr latinLnBrk="1"/>
             <a:r>
               <a:rPr lang="en-US" altLang="ko-KR" sz="1400" dirty="0">
                 <a:solidFill>
                   <a:prstClr val="black"/>
                 </a:solidFill>
                 <a:latin typeface="Courier New" panose="02070309020205020404" pitchFamily="49" charset="0"/>
+                <a:ea typeface="굴림"/>
                 <a:cs typeface="Courier New" panose="02070309020205020404" pitchFamily="49" charset="0"/>
               </a:rPr>
               <a:t>4  } </a:t>
             </a:r>
-            <a:endParaRPr lang="en-US" altLang="ko-KR" sz="1400" dirty="0">
-              <a:solidFill>
-                <a:prstClr val="black"/>
-              </a:solidFill>
-              <a:latin typeface="Courier New" pitchFamily="49" charset="0"/>
-              <a:ea typeface="맑은 고딕" pitchFamily="50" charset="-127"/>
-              <a:cs typeface="Courier New" pitchFamily="49" charset="0"/>
-            </a:endParaRPr>
           </a:p>
         </p:txBody>
       </p:sp>
     </p:spTree>
     <p:extLst>
       <p:ext uri="{BB962C8B-B14F-4D97-AF65-F5344CB8AC3E}">
-        <p14:creationId xmlns:p14="http://schemas.microsoft.com/office/powerpoint/2010/main" val="2626358373"/>
+        <p14:creationId xmlns:p14="http://schemas.microsoft.com/office/powerpoint/2010/main" val="3847876216"/>
       </p:ext>
     </p:extLst>
   </p:cSld>
@@ -24629,6 +24561,390 @@
       </p:grpSpPr>
       <p:sp>
         <p:nvSpPr>
+          <p:cNvPr id="2" name="제목 1"/>
+          <p:cNvSpPr>
+            <a:spLocks noGrp="1"/>
+          </p:cNvSpPr>
+          <p:nvPr>
+            <p:ph type="title"/>
+          </p:nvPr>
+        </p:nvSpPr>
+        <p:spPr/>
+        <p:txBody>
+          <a:bodyPr/>
+          <a:lstStyle/>
+          <a:p>
+            <a:r>
+              <a:rPr lang="en-US" altLang="ko-KR" dirty="0"/>
+              <a:t>Recap: </a:t>
+            </a:r>
+            <a:r>
+              <a:rPr lang="en-US" altLang="ko-KR" dirty="0" err="1"/>
+              <a:t>sem_post</a:t>
+            </a:r>
+            <a:r>
+              <a:rPr lang="en-US" altLang="ko-KR" dirty="0"/>
+              <a:t> (from lec7)</a:t>
+            </a:r>
+            <a:endParaRPr lang="ko-KR" altLang="en-US" dirty="0"/>
+          </a:p>
+        </p:txBody>
+      </p:sp>
+      <p:sp>
+        <p:nvSpPr>
+          <p:cNvPr id="3" name="내용 개체 틀 2"/>
+          <p:cNvSpPr>
+            <a:spLocks noGrp="1"/>
+          </p:cNvSpPr>
+          <p:nvPr>
+            <p:ph idx="1"/>
+          </p:nvPr>
+        </p:nvSpPr>
+        <p:spPr/>
+        <p:txBody>
+          <a:bodyPr/>
+          <a:lstStyle/>
+          <a:p>
+            <a:r>
+              <a:rPr lang="en-US" altLang="ko-KR" dirty="0" err="1">
+                <a:latin typeface="Courier New" panose="02070309020205020404" pitchFamily="49" charset="0"/>
+                <a:cs typeface="Courier New" panose="02070309020205020404" pitchFamily="49" charset="0"/>
+              </a:rPr>
+              <a:t>sem_post</a:t>
+            </a:r>
+            <a:r>
+              <a:rPr lang="en-US" altLang="ko-KR" dirty="0">
+                <a:latin typeface="Courier New" panose="02070309020205020404" pitchFamily="49" charset="0"/>
+                <a:cs typeface="Courier New" panose="02070309020205020404" pitchFamily="49" charset="0"/>
+              </a:rPr>
+              <a:t>()</a:t>
+            </a:r>
+          </a:p>
+          <a:p>
+            <a:pPr lvl="2"/>
+            <a:endParaRPr lang="en-US" altLang="ko-KR" dirty="0"/>
+          </a:p>
+          <a:p>
+            <a:pPr lvl="2"/>
+            <a:endParaRPr lang="en-US" altLang="ko-KR" dirty="0"/>
+          </a:p>
+          <a:p>
+            <a:pPr lvl="2"/>
+            <a:endParaRPr lang="en-US" altLang="ko-KR" dirty="0"/>
+          </a:p>
+          <a:p>
+            <a:pPr lvl="1"/>
+            <a:r>
+              <a:rPr lang="en-US" altLang="ko-KR" dirty="0"/>
+              <a:t>Simply </a:t>
+            </a:r>
+            <a:r>
+              <a:rPr lang="en-US" altLang="ko-KR" b="1" dirty="0"/>
+              <a:t>increments</a:t>
+            </a:r>
+            <a:r>
+              <a:rPr lang="en-US" altLang="ko-KR" dirty="0"/>
+              <a:t> the value of the semaphore.</a:t>
+            </a:r>
+          </a:p>
+          <a:p>
+            <a:pPr lvl="1"/>
+            <a:r>
+              <a:rPr lang="en-US" altLang="ko-KR" dirty="0"/>
+              <a:t>If there is a thread waiting to be woken, </a:t>
+            </a:r>
+            <a:r>
+              <a:rPr lang="en-US" altLang="ko-KR" b="1" dirty="0"/>
+              <a:t>wakes </a:t>
+            </a:r>
+            <a:r>
+              <a:rPr lang="en-US" altLang="ko-KR" dirty="0"/>
+              <a:t>one of them up.</a:t>
+            </a:r>
+          </a:p>
+          <a:p>
+            <a:endParaRPr lang="en-US" altLang="ko-KR" dirty="0"/>
+          </a:p>
+          <a:p>
+            <a:pPr lvl="1"/>
+            <a:endParaRPr lang="en-US" altLang="ko-KR" dirty="0"/>
+          </a:p>
+          <a:p>
+            <a:pPr lvl="1"/>
+            <a:endParaRPr lang="en-US" altLang="ko-KR" dirty="0"/>
+          </a:p>
+          <a:p>
+            <a:pPr lvl="1"/>
+            <a:endParaRPr lang="en-US" altLang="ko-KR" dirty="0"/>
+          </a:p>
+          <a:p>
+            <a:endParaRPr lang="en-US" altLang="ko-KR" dirty="0"/>
+          </a:p>
+          <a:p>
+            <a:endParaRPr lang="en-US" altLang="ko-KR" dirty="0"/>
+          </a:p>
+          <a:p>
+            <a:endParaRPr lang="en-US" altLang="ko-KR" dirty="0"/>
+          </a:p>
+        </p:txBody>
+      </p:sp>
+      <p:sp>
+        <p:nvSpPr>
+          <p:cNvPr id="4" name="슬라이드 번호 개체 틀 3"/>
+          <p:cNvSpPr>
+            <a:spLocks noGrp="1"/>
+          </p:cNvSpPr>
+          <p:nvPr>
+            <p:ph type="sldNum" sz="quarter" idx="11"/>
+          </p:nvPr>
+        </p:nvSpPr>
+        <p:spPr/>
+        <p:txBody>
+          <a:bodyPr/>
+          <a:lstStyle/>
+          <a:p>
+            <a:pPr>
+              <a:defRPr/>
+            </a:pPr>
+            <a:fld id="{515CC4ED-1449-4712-AE45-EBC263B4DD26}" type="slidenum">
+              <a:rPr lang="en-US" altLang="ko-KR" smtClean="0">
+                <a:solidFill>
+                  <a:srgbClr val="1F497D">
+                    <a:lumMod val="50000"/>
+                  </a:srgbClr>
+                </a:solidFill>
+              </a:rPr>
+              <a:pPr>
+                <a:defRPr/>
+              </a:pPr>
+              <a:t>20</a:t>
+            </a:fld>
+            <a:r>
+              <a:rPr lang="en-US" altLang="ko-KR">
+                <a:solidFill>
+                  <a:srgbClr val="1F497D">
+                    <a:lumMod val="50000"/>
+                  </a:srgbClr>
+                </a:solidFill>
+              </a:rPr>
+              <a:t> </a:t>
+            </a:r>
+          </a:p>
+        </p:txBody>
+      </p:sp>
+      <p:sp>
+        <p:nvSpPr>
+          <p:cNvPr id="5" name="바닥글 개체 틀 4"/>
+          <p:cNvSpPr>
+            <a:spLocks noGrp="1"/>
+          </p:cNvSpPr>
+          <p:nvPr>
+            <p:ph type="ftr" sz="quarter" idx="3"/>
+          </p:nvPr>
+        </p:nvSpPr>
+        <p:spPr/>
+        <p:txBody>
+          <a:bodyPr/>
+          <a:lstStyle/>
+          <a:p>
+            <a:pPr>
+              <a:defRPr/>
+            </a:pPr>
+            <a:r>
+              <a:rPr lang="en-US" altLang="ko-KR">
+                <a:solidFill>
+                  <a:prstClr val="black"/>
+                </a:solidFill>
+              </a:rPr>
+              <a:t>CSCI3150 Intro to OS</a:t>
+            </a:r>
+            <a:endParaRPr lang="ko-KR" altLang="en-US">
+              <a:solidFill>
+                <a:prstClr val="black"/>
+              </a:solidFill>
+            </a:endParaRPr>
+          </a:p>
+        </p:txBody>
+      </p:sp>
+      <p:sp>
+        <p:nvSpPr>
+          <p:cNvPr id="7" name="TextBox 6"/>
+          <p:cNvSpPr txBox="1"/>
+          <p:nvPr/>
+        </p:nvSpPr>
+        <p:spPr>
+          <a:xfrm>
+            <a:off x="2315580" y="1538790"/>
+            <a:ext cx="7596844" cy="954107"/>
+          </a:xfrm>
+          <a:prstGeom prst="rect">
+            <a:avLst/>
+          </a:prstGeom>
+          <a:noFill/>
+          <a:ln>
+            <a:solidFill>
+              <a:schemeClr val="tx1"/>
+            </a:solidFill>
+          </a:ln>
+        </p:spPr>
+        <p:txBody>
+          <a:bodyPr wrap="square" rtlCol="0">
+            <a:spAutoFit/>
+          </a:bodyPr>
+          <a:lstStyle/>
+          <a:p>
+            <a:r>
+              <a:rPr lang="en-US" altLang="ko-KR" sz="1400" dirty="0">
+                <a:solidFill>
+                  <a:prstClr val="black"/>
+                </a:solidFill>
+                <a:latin typeface="Courier New" panose="02070309020205020404" pitchFamily="49" charset="0"/>
+                <a:cs typeface="Courier New" panose="02070309020205020404" pitchFamily="49" charset="0"/>
+              </a:rPr>
+              <a:t>1  </a:t>
+            </a:r>
+            <a:r>
+              <a:rPr lang="en-US" altLang="ko-KR" sz="1400" dirty="0" err="1">
+                <a:solidFill>
+                  <a:srgbClr val="00B050"/>
+                </a:solidFill>
+                <a:latin typeface="Courier New" panose="02070309020205020404" pitchFamily="49" charset="0"/>
+                <a:cs typeface="Courier New" panose="02070309020205020404" pitchFamily="49" charset="0"/>
+              </a:rPr>
+              <a:t>int</a:t>
+            </a:r>
+            <a:r>
+              <a:rPr lang="en-US" altLang="ko-KR" sz="1400" dirty="0">
+                <a:solidFill>
+                  <a:srgbClr val="00B050"/>
+                </a:solidFill>
+                <a:latin typeface="Courier New" panose="02070309020205020404" pitchFamily="49" charset="0"/>
+                <a:cs typeface="Courier New" panose="02070309020205020404" pitchFamily="49" charset="0"/>
+              </a:rPr>
+              <a:t> </a:t>
+            </a:r>
+            <a:r>
+              <a:rPr lang="en-US" altLang="ko-KR" sz="1400" dirty="0" err="1">
+                <a:solidFill>
+                  <a:prstClr val="black"/>
+                </a:solidFill>
+                <a:latin typeface="Courier New" panose="02070309020205020404" pitchFamily="49" charset="0"/>
+                <a:cs typeface="Courier New" panose="02070309020205020404" pitchFamily="49" charset="0"/>
+              </a:rPr>
+              <a:t>sem_post</a:t>
+            </a:r>
+            <a:r>
+              <a:rPr lang="en-US" altLang="ko-KR" sz="1400" dirty="0">
+                <a:solidFill>
+                  <a:prstClr val="black"/>
+                </a:solidFill>
+                <a:latin typeface="Courier New" panose="02070309020205020404" pitchFamily="49" charset="0"/>
+                <a:cs typeface="Courier New" panose="02070309020205020404" pitchFamily="49" charset="0"/>
+              </a:rPr>
+              <a:t>(</a:t>
+            </a:r>
+            <a:r>
+              <a:rPr lang="en-US" altLang="ko-KR" sz="1400" dirty="0" err="1">
+                <a:solidFill>
+                  <a:prstClr val="black"/>
+                </a:solidFill>
+                <a:latin typeface="Courier New" panose="02070309020205020404" pitchFamily="49" charset="0"/>
+                <a:cs typeface="Courier New" panose="02070309020205020404" pitchFamily="49" charset="0"/>
+              </a:rPr>
+              <a:t>sem_t</a:t>
+            </a:r>
+            <a:r>
+              <a:rPr lang="en-US" altLang="ko-KR" sz="1400" dirty="0">
+                <a:solidFill>
+                  <a:prstClr val="black"/>
+                </a:solidFill>
+                <a:latin typeface="Courier New" panose="02070309020205020404" pitchFamily="49" charset="0"/>
+                <a:cs typeface="Courier New" panose="02070309020205020404" pitchFamily="49" charset="0"/>
+              </a:rPr>
+              <a:t> *s) { </a:t>
+            </a:r>
+          </a:p>
+          <a:p>
+            <a:r>
+              <a:rPr lang="en-US" altLang="ko-KR" sz="1400" dirty="0">
+                <a:solidFill>
+                  <a:prstClr val="black"/>
+                </a:solidFill>
+                <a:latin typeface="Courier New" panose="02070309020205020404" pitchFamily="49" charset="0"/>
+                <a:cs typeface="Courier New" panose="02070309020205020404" pitchFamily="49" charset="0"/>
+              </a:rPr>
+              <a:t>2   	increment the value of semaphore s by one </a:t>
+            </a:r>
+          </a:p>
+          <a:p>
+            <a:r>
+              <a:rPr lang="en-US" altLang="ko-KR" sz="1400" dirty="0">
+                <a:solidFill>
+                  <a:prstClr val="black"/>
+                </a:solidFill>
+                <a:latin typeface="Courier New" panose="02070309020205020404" pitchFamily="49" charset="0"/>
+                <a:cs typeface="Courier New" panose="02070309020205020404" pitchFamily="49" charset="0"/>
+              </a:rPr>
+              <a:t>3   	if there are one or more threads waiting, wake one </a:t>
+            </a:r>
+          </a:p>
+          <a:p>
+            <a:r>
+              <a:rPr lang="en-US" altLang="ko-KR" sz="1400" dirty="0">
+                <a:solidFill>
+                  <a:prstClr val="black"/>
+                </a:solidFill>
+                <a:latin typeface="Courier New" panose="02070309020205020404" pitchFamily="49" charset="0"/>
+                <a:cs typeface="Courier New" panose="02070309020205020404" pitchFamily="49" charset="0"/>
+              </a:rPr>
+              <a:t>4  } </a:t>
+            </a:r>
+            <a:endParaRPr lang="en-US" altLang="ko-KR" sz="1400" dirty="0">
+              <a:solidFill>
+                <a:prstClr val="black"/>
+              </a:solidFill>
+              <a:latin typeface="Courier New" pitchFamily="49" charset="0"/>
+              <a:ea typeface="맑은 고딕" pitchFamily="50" charset="-127"/>
+              <a:cs typeface="Courier New" pitchFamily="49" charset="0"/>
+            </a:endParaRPr>
+          </a:p>
+        </p:txBody>
+      </p:sp>
+    </p:spTree>
+    <p:extLst>
+      <p:ext uri="{BB962C8B-B14F-4D97-AF65-F5344CB8AC3E}">
+        <p14:creationId xmlns:p14="http://schemas.microsoft.com/office/powerpoint/2010/main" val="2626358373"/>
+      </p:ext>
+    </p:extLst>
+  </p:cSld>
+  <p:clrMapOvr>
+    <a:masterClrMapping/>
+  </p:clrMapOvr>
+  <p:transition>
+    <p:zoom/>
+  </p:transition>
+</p:sld>
+</file>
+
+<file path=ppt/slides/slide21.xml><?xml version="1.0" encoding="utf-8"?>
+<p:sld xmlns:a="http://schemas.openxmlformats.org/drawingml/2006/main" xmlns:r="http://schemas.openxmlformats.org/officeDocument/2006/relationships" xmlns:p="http://schemas.openxmlformats.org/presentationml/2006/main">
+  <p:cSld>
+    <p:spTree>
+      <p:nvGrpSpPr>
+        <p:cNvPr id="1" name=""/>
+        <p:cNvGrpSpPr/>
+        <p:nvPr/>
+      </p:nvGrpSpPr>
+      <p:grpSpPr>
+        <a:xfrm>
+          <a:off x="0" y="0"/>
+          <a:ext cx="0" cy="0"/>
+          <a:chOff x="0" y="0"/>
+          <a:chExt cx="0" cy="0"/>
+        </a:xfrm>
+      </p:grpSpPr>
+      <p:sp>
+        <p:nvSpPr>
           <p:cNvPr id="2" name="Title 1">
             <a:extLst>
               <a:ext uri="{FF2B5EF4-FFF2-40B4-BE49-F238E27FC236}">
@@ -24730,7 +25046,7 @@
                 <a:tabLst/>
                 <a:defRPr/>
               </a:pPr>
-              <a:t>20</a:t>
+              <a:t>21</a:t>
             </a:fld>
             <a:endParaRPr kumimoji="0" lang="en-US" sz="1800" b="0" i="0" u="none" strike="noStrike" kern="0" cap="none" spc="0" normalizeH="0" baseline="0" noProof="0">
               <a:ln>
@@ -26186,7 +26502,7 @@
 </p:sld>
 </file>
 
-<file path=ppt/slides/slide21.xml><?xml version="1.0" encoding="utf-8"?>
+<file path=ppt/slides/slide22.xml><?xml version="1.0" encoding="utf-8"?>
 <p:sld xmlns:a="http://schemas.openxmlformats.org/drawingml/2006/main" xmlns:r="http://schemas.openxmlformats.org/officeDocument/2006/relationships" xmlns:p="http://schemas.openxmlformats.org/presentationml/2006/main">
   <p:cSld>
     <p:spTree>
@@ -29037,7 +29353,7 @@
         <p:spPr>
           <a:xfrm>
             <a:off x="2388124" y="1218337"/>
-            <a:ext cx="8112523" cy="4421325"/>
+            <a:ext cx="7356461" cy="4009271"/>
           </a:xfrm>
           <a:prstGeom prst="rect">
             <a:avLst/>
@@ -29058,8 +29374,8 @@
         </p:nvSpPr>
         <p:spPr>
           <a:xfrm>
-            <a:off x="68011" y="3814722"/>
-            <a:ext cx="2481453" cy="2072362"/>
+            <a:off x="333471" y="3493570"/>
+            <a:ext cx="2474345" cy="3057247"/>
           </a:xfrm>
           <a:prstGeom prst="rect">
             <a:avLst/>
@@ -29112,7 +29428,7 @@
               <a:tabLst/>
             </a:pPr>
             <a:r>
-              <a:rPr lang="en-US" altLang="zh-CN" sz="2400" baseline="2495" dirty="0">
+              <a:rPr lang="en-US" altLang="zh-CN" sz="3200" baseline="2495" dirty="0">
                 <a:solidFill>
                   <a:schemeClr val="tx1">
                     <a:lumMod val="50000"/>
@@ -29142,7 +29458,7 @@
               <a:tabLst/>
             </a:pPr>
             <a:r>
-              <a:rPr lang="en-US" altLang="zh-CN" sz="2400" baseline="2495" dirty="0">
+              <a:rPr lang="en-US" altLang="zh-CN" sz="3200" baseline="2495" dirty="0">
                 <a:solidFill>
                   <a:schemeClr val="tx1">
                     <a:lumMod val="50000"/>
@@ -29154,7 +29470,7 @@
               <a:t>The </a:t>
             </a:r>
             <a:r>
-              <a:rPr lang="en-US" altLang="zh-CN" sz="2400" b="1" baseline="2495" dirty="0">
+              <a:rPr lang="en-US" altLang="zh-CN" sz="3200" b="1" baseline="2495" dirty="0">
                 <a:solidFill>
                   <a:schemeClr val="tx1">
                     <a:lumMod val="50000"/>
@@ -29166,7 +29482,7 @@
               <a:t>exec() </a:t>
             </a:r>
             <a:r>
-              <a:rPr lang="en-US" altLang="zh-CN" sz="2400" baseline="2495" dirty="0">
+              <a:rPr lang="en-US" altLang="zh-CN" sz="3200" baseline="2495" dirty="0">
                 <a:solidFill>
                   <a:schemeClr val="tx1">
                     <a:lumMod val="50000"/>
@@ -29244,8 +29560,8 @@
         </p:nvSpPr>
         <p:spPr>
           <a:xfrm>
-            <a:off x="9973937" y="2316906"/>
-            <a:ext cx="2141330" cy="1477328"/>
+            <a:off x="9384183" y="1932317"/>
+            <a:ext cx="2301938" cy="2308324"/>
           </a:xfrm>
           <a:prstGeom prst="rect">
             <a:avLst/>
@@ -29282,7 +29598,7 @@
           <a:lstStyle/>
           <a:p>
             <a:r>
-              <a:rPr lang="en-HK" altLang="zh-HK" dirty="0">
+              <a:rPr lang="en-HK" altLang="zh-HK" sz="2400" dirty="0">
                 <a:solidFill>
                   <a:srgbClr val="0E0E0E"/>
                 </a:solidFill>
@@ -29292,7 +29608,7 @@
               <a:t>C:</a:t>
             </a:r>
             <a:br>
-              <a:rPr lang="en-HK" altLang="zh-HK" dirty="0">
+              <a:rPr lang="en-HK" altLang="zh-HK" sz="2400" dirty="0">
                 <a:solidFill>
                   <a:srgbClr val="0E0E0E"/>
                 </a:solidFill>
@@ -29301,7 +29617,7 @@
               </a:rPr>
             </a:br>
             <a:r>
-              <a:rPr lang="en-HK" altLang="zh-HK" dirty="0">
+              <a:rPr lang="en-HK" altLang="zh-HK" sz="2400" dirty="0">
                 <a:solidFill>
                   <a:srgbClr val="0E0E0E"/>
                 </a:solidFill>
@@ -29311,7 +29627,7 @@
               <a:t>File locks are associated with the </a:t>
             </a:r>
             <a:r>
-              <a:rPr lang="en-HK" altLang="zh-HK" b="1" dirty="0">
+              <a:rPr lang="en-HK" altLang="zh-HK" sz="2400" b="1" dirty="0">
                 <a:solidFill>
                   <a:srgbClr val="0E0E0E"/>
                 </a:solidFill>
@@ -29321,7 +29637,7 @@
               <a:t>process’s PID , </a:t>
             </a:r>
             <a:r>
-              <a:rPr lang="en-HK" altLang="zh-HK" dirty="0">
+              <a:rPr lang="en-HK" altLang="zh-HK" sz="2400" dirty="0">
                 <a:solidFill>
                   <a:srgbClr val="0E0E0E"/>
                 </a:solidFill>
@@ -29350,8 +29666,8 @@
         </p:nvCxnSpPr>
         <p:spPr>
           <a:xfrm flipH="1">
-            <a:off x="6805914" y="3055570"/>
-            <a:ext cx="3168023" cy="1169189"/>
+            <a:off x="6216160" y="3086479"/>
+            <a:ext cx="3168023" cy="956069"/>
           </a:xfrm>
           <a:prstGeom prst="straightConnector1">
             <a:avLst/>
@@ -29398,8 +29714,8 @@
         </p:nvSpPr>
         <p:spPr>
           <a:xfrm>
-            <a:off x="7863840" y="5044703"/>
-            <a:ext cx="3350823" cy="1579920"/>
+            <a:off x="6130384" y="4615152"/>
+            <a:ext cx="4584969" cy="2072362"/>
           </a:xfrm>
           <a:prstGeom prst="rect">
             <a:avLst/>
@@ -29452,7 +29768,7 @@
               <a:tabLst/>
             </a:pPr>
             <a:r>
-              <a:rPr lang="en-US" altLang="zh-CN" sz="2400" baseline="2495" dirty="0">
+              <a:rPr lang="en-US" altLang="zh-CN" sz="3200" baseline="2495" dirty="0">
                 <a:solidFill>
                   <a:schemeClr val="tx1">
                     <a:lumMod val="50000"/>
@@ -29482,7 +29798,7 @@
               <a:tabLst/>
             </a:pPr>
             <a:r>
-              <a:rPr lang="en-US" altLang="zh-CN" sz="2400" baseline="2495" dirty="0">
+              <a:rPr lang="en-US" altLang="zh-CN" sz="3200" baseline="2495" dirty="0">
                 <a:solidFill>
                   <a:schemeClr val="tx1">
                     <a:lumMod val="50000"/>
@@ -29512,7 +29828,7 @@
               <a:tabLst/>
             </a:pPr>
             <a:r>
-              <a:rPr lang="en-US" altLang="zh-CN" sz="2400" baseline="2495" dirty="0">
+              <a:rPr lang="en-US" altLang="zh-CN" sz="3200" baseline="2495" dirty="0">
                 <a:solidFill>
                   <a:schemeClr val="tx1">
                     <a:lumMod val="50000"/>
@@ -29521,7 +29837,7 @@
                 <a:latin typeface="Gill Sans MT" panose="020B0502020104020203" pitchFamily="34" charset="0"/>
                 <a:sym typeface="Helvetica"/>
               </a:rPr>
-              <a:t>but the process can still write to standard output—it will just go to the new location (new file). </a:t>
+              <a:t>but the process can still write to standard output—it will just go to the new location (new file) and can be redirected again</a:t>
             </a:r>
           </a:p>
         </p:txBody>
@@ -29537,14 +29853,13 @@
           </p:cNvPr>
           <p:cNvCxnSpPr>
             <a:cxnSpLocks/>
-            <a:stCxn id="16" idx="1"/>
           </p:cNvCxnSpPr>
           <p:nvPr/>
         </p:nvCxnSpPr>
         <p:spPr>
           <a:xfrm flipH="1" flipV="1">
-            <a:off x="6444386" y="5044703"/>
-            <a:ext cx="1419454" cy="789960"/>
+            <a:off x="5471585" y="4615152"/>
+            <a:ext cx="594769" cy="430525"/>
           </a:xfrm>
           <a:prstGeom prst="straightConnector1">
             <a:avLst/>
@@ -29591,8 +29906,8 @@
         </p:nvSpPr>
         <p:spPr>
           <a:xfrm>
-            <a:off x="76733" y="1019515"/>
-            <a:ext cx="2481453" cy="2318583"/>
+            <a:off x="2602632" y="79460"/>
+            <a:ext cx="5337573" cy="2318583"/>
           </a:xfrm>
           <a:prstGeom prst="rect">
             <a:avLst/>
@@ -29646,7 +29961,7 @@
               <a:defRPr/>
             </a:pPr>
             <a:r>
-              <a:rPr lang="en-US" altLang="zh-HK" sz="1600" dirty="0">
+              <a:rPr lang="en-US" altLang="zh-HK" sz="2400" dirty="0">
                 <a:latin typeface="Gill Sans MT"/>
               </a:rPr>
               <a:t>A:</a:t>
@@ -29671,7 +29986,7 @@
               <a:defRPr/>
             </a:pPr>
             <a:r>
-              <a:rPr lang="en-HK" altLang="zh-HK" sz="1600" b="1" dirty="0">
+              <a:rPr lang="en-HK" altLang="zh-HK" sz="2400" b="1" dirty="0">
                 <a:solidFill>
                   <a:srgbClr val="0E0E0E"/>
                 </a:solidFill>
@@ -29681,7 +29996,7 @@
               <a:t>correct</a:t>
             </a:r>
             <a:r>
-              <a:rPr lang="en-HK" altLang="zh-HK" sz="1600" dirty="0">
+              <a:rPr lang="en-HK" altLang="zh-HK" sz="2400" dirty="0">
                 <a:solidFill>
                   <a:srgbClr val="0E0E0E"/>
                 </a:solidFill>
@@ -29709,8 +30024,8 @@
         </p:nvCxnSpPr>
         <p:spPr>
           <a:xfrm>
-            <a:off x="2549464" y="2656359"/>
-            <a:ext cx="477515" cy="655377"/>
+            <a:off x="4265750" y="2398043"/>
+            <a:ext cx="547790" cy="685107"/>
           </a:xfrm>
           <a:prstGeom prst="straightConnector1">
             <a:avLst/>
@@ -29940,8 +30255,8 @@
         </p:nvSpPr>
         <p:spPr>
           <a:xfrm>
-            <a:off x="6411432" y="2358668"/>
-            <a:ext cx="4654375" cy="4042132"/>
+            <a:off x="4226943" y="1823339"/>
+            <a:ext cx="6866627" cy="4698722"/>
           </a:xfrm>
           <a:prstGeom prst="rect">
             <a:avLst/>
@@ -29994,7 +30309,7 @@
               <a:tabLst/>
             </a:pPr>
             <a:r>
-              <a:rPr lang="en-US" altLang="zh-CN" sz="2400" baseline="2495" dirty="0">
+              <a:rPr lang="en-US" altLang="zh-CN" sz="3200" baseline="2495" dirty="0">
                 <a:solidFill>
                   <a:schemeClr val="tx1">
                     <a:lumMod val="50000"/>
@@ -30009,7 +30324,7 @@
           <a:p>
             <a:pPr defTabSz="584200" hangingPunct="0"/>
             <a:r>
-              <a:rPr lang="en-US" altLang="zh-CN" sz="2400" baseline="2495" dirty="0">
+              <a:rPr lang="en-US" altLang="zh-CN" sz="3200" baseline="2495" dirty="0">
                 <a:solidFill>
                   <a:schemeClr val="tx1">
                     <a:lumMod val="50000"/>
@@ -30021,7 +30336,7 @@
               <a:t>A: </a:t>
             </a:r>
             <a:r>
-              <a:rPr lang="zh-CN" altLang="en-US" sz="2400" baseline="2495" dirty="0">
+              <a:rPr lang="zh-CN" altLang="en-US" sz="3200" baseline="2495" dirty="0">
                 <a:solidFill>
                   <a:schemeClr val="tx1">
                     <a:lumMod val="50000"/>
@@ -30033,7 +30348,7 @@
               <a:t> </a:t>
             </a:r>
             <a:r>
-              <a:rPr lang="en-US" altLang="zh-CN" sz="2400" baseline="2495" dirty="0">
+              <a:rPr lang="en-US" altLang="zh-CN" sz="3200" baseline="2495" dirty="0">
                 <a:solidFill>
                   <a:schemeClr val="tx1">
                     <a:lumMod val="50000"/>
@@ -30048,7 +30363,7 @@
           <a:p>
             <a:pPr defTabSz="584200" hangingPunct="0"/>
             <a:r>
-              <a:rPr lang="en-US" altLang="zh-CN" sz="2400" baseline="2495" dirty="0">
+              <a:rPr lang="en-US" altLang="zh-CN" sz="3200" baseline="2495" dirty="0">
                 <a:solidFill>
                   <a:schemeClr val="tx1">
                     <a:lumMod val="50000"/>
@@ -30060,7 +30375,7 @@
               <a:t>B:</a:t>
             </a:r>
             <a:r>
-              <a:rPr lang="zh-CN" altLang="en-US" sz="2400" baseline="2495" dirty="0">
+              <a:rPr lang="zh-CN" altLang="en-US" sz="3200" baseline="2495" dirty="0">
                 <a:solidFill>
                   <a:schemeClr val="tx1">
                     <a:lumMod val="50000"/>
@@ -30072,7 +30387,7 @@
               <a:t> </a:t>
             </a:r>
             <a:r>
-              <a:rPr lang="en-US" altLang="zh-CN" sz="2400" baseline="2495" dirty="0">
+              <a:rPr lang="en-US" altLang="zh-CN" sz="3200" baseline="2495" dirty="0">
                 <a:solidFill>
                   <a:schemeClr val="tx1">
                     <a:lumMod val="50000"/>
@@ -30087,7 +30402,7 @@
           <a:p>
             <a:pPr defTabSz="584200" hangingPunct="0"/>
             <a:r>
-              <a:rPr lang="en-US" altLang="zh-CN" sz="2400" baseline="2495" dirty="0">
+              <a:rPr lang="en-US" altLang="zh-CN" sz="3200" baseline="2495" dirty="0">
                 <a:solidFill>
                   <a:schemeClr val="tx1">
                     <a:lumMod val="50000"/>
@@ -30099,7 +30414,7 @@
               <a:t>C:</a:t>
             </a:r>
             <a:r>
-              <a:rPr lang="zh-CN" altLang="en-US" sz="2400" baseline="2495" dirty="0">
+              <a:rPr lang="zh-CN" altLang="en-US" sz="3200" baseline="2495" dirty="0">
                 <a:solidFill>
                   <a:schemeClr val="tx1">
                     <a:lumMod val="50000"/>
@@ -30111,7 +30426,7 @@
               <a:t> </a:t>
             </a:r>
             <a:r>
-              <a:rPr lang="en-US" altLang="zh-CN" sz="2400" baseline="2495" dirty="0">
+              <a:rPr lang="en-US" altLang="zh-CN" sz="3200" baseline="2495" dirty="0">
                 <a:solidFill>
                   <a:schemeClr val="tx1">
                     <a:lumMod val="50000"/>
@@ -30126,7 +30441,7 @@
           <a:p>
             <a:pPr defTabSz="584200" hangingPunct="0"/>
             <a:r>
-              <a:rPr lang="en-US" altLang="zh-CN" sz="2400" baseline="2495" dirty="0">
+              <a:rPr lang="en-US" altLang="zh-CN" sz="3200" baseline="2495" dirty="0">
                 <a:solidFill>
                   <a:schemeClr val="tx1">
                     <a:lumMod val="50000"/>
@@ -30141,7 +30456,7 @@
           <a:p>
             <a:pPr defTabSz="584200" hangingPunct="0"/>
             <a:r>
-              <a:rPr lang="en-US" altLang="zh-CN" sz="2400" baseline="2495" dirty="0">
+              <a:rPr lang="en-US" altLang="zh-CN" sz="3200" baseline="2495" dirty="0">
                 <a:solidFill>
                   <a:schemeClr val="tx1">
                     <a:lumMod val="50000"/>
@@ -30330,8 +30645,8 @@
         </p:blipFill>
         <p:spPr>
           <a:xfrm>
-            <a:off x="6934417" y="1031673"/>
-            <a:ext cx="4751704" cy="3072496"/>
+            <a:off x="4804110" y="1214438"/>
+            <a:ext cx="7100019" cy="4590938"/>
           </a:xfrm>
           <a:prstGeom prst="rect">
             <a:avLst/>
@@ -30356,13 +30671,13 @@
         </p:nvSpPr>
         <p:spPr>
           <a:xfrm>
-            <a:off x="100271" y="1212112"/>
-            <a:ext cx="6842789" cy="5348176"/>
+            <a:off x="657267" y="1052624"/>
+            <a:ext cx="4600317" cy="5348176"/>
           </a:xfrm>
         </p:spPr>
         <p:txBody>
           <a:bodyPr lIns="25400" tIns="25400" rIns="25400" bIns="25400" anchor="t">
-            <a:normAutofit fontScale="85000" lnSpcReduction="20000"/>
+            <a:normAutofit/>
           </a:bodyPr>
           <a:lstStyle/>
           <a:p>
@@ -30411,7 +30726,7 @@
             </a:r>
           </a:p>
           <a:p>
-            <a:pPr marL="288925" indent="-288925">
+            <a:pPr marL="606425" lvl="1" indent="-288925">
               <a:buFont typeface="Wingdings" pitchFamily="2" charset="2"/>
               <a:buChar char="Ø"/>
               <a:defRPr/>
@@ -30421,52 +30736,6 @@
                 <a:cs typeface="Helvetica"/>
               </a:rPr>
               <a:t>Child Process Start Point: After a successful fork(), both the parent and child processes continue execution independently from the point immediately following the fork() call.</a:t>
-            </a:r>
-          </a:p>
-          <a:p>
-            <a:pPr marL="288925" indent="-288925">
-              <a:buFont typeface="Wingdings" pitchFamily="2" charset="2"/>
-              <a:buChar char="Ø"/>
-              <a:defRPr/>
-            </a:pPr>
-            <a:r>
-              <a:rPr lang="en-US" altLang="zh-CN" sz="2400" dirty="0">
-                <a:cs typeface="Helvetica"/>
-              </a:rPr>
-              <a:t>The fork() function returns different values to the parent and child processes</a:t>
-            </a:r>
-          </a:p>
-          <a:p>
-            <a:pPr marL="606425" lvl="2" indent="-288925">
-              <a:buFont typeface="Wingdings" pitchFamily="2" charset="2"/>
-              <a:buChar char="Ø"/>
-              <a:defRPr/>
-            </a:pPr>
-            <a:r>
-              <a:rPr lang="en-HK" altLang="zh-HK" sz="2500" dirty="0"/>
-              <a:t>In the Parent Process: Returns the Process ID (PID) of the newly created child process (a positive integer).</a:t>
-            </a:r>
-          </a:p>
-          <a:p>
-            <a:pPr marL="606425" lvl="2" indent="-288925">
-              <a:buFont typeface="Wingdings" pitchFamily="2" charset="2"/>
-              <a:buChar char="Ø"/>
-              <a:defRPr/>
-            </a:pPr>
-            <a:r>
-              <a:rPr lang="en-HK" altLang="zh-HK" sz="2500" dirty="0"/>
-              <a:t>In the Child Process: Returns 0.</a:t>
-            </a:r>
-          </a:p>
-          <a:p>
-            <a:pPr marL="606425" lvl="2" indent="-288925">
-              <a:buFont typeface="Wingdings" pitchFamily="2" charset="2"/>
-              <a:buChar char="Ø"/>
-              <a:defRPr/>
-            </a:pPr>
-            <a:r>
-              <a:rPr lang="en-HK" altLang="zh-HK" sz="2500" dirty="0"/>
-              <a:t>On Failure: Returns -1 in the parent process.</a:t>
             </a:r>
           </a:p>
           <a:p>
@@ -30533,36 +30802,6 @@
           </a:p>
         </p:txBody>
       </p:sp>
-      <p:pic>
-        <p:nvPicPr>
-          <p:cNvPr id="6" name="圖片 5">
-            <a:extLst>
-              <a:ext uri="{FF2B5EF4-FFF2-40B4-BE49-F238E27FC236}">
-                <a16:creationId xmlns:a16="http://schemas.microsoft.com/office/drawing/2014/main" id="{2186DCAD-55FF-55B8-5297-2C832B13166F}"/>
-              </a:ext>
-            </a:extLst>
-          </p:cNvPr>
-          <p:cNvPicPr>
-            <a:picLocks noChangeAspect="1"/>
-          </p:cNvPicPr>
-          <p:nvPr/>
-        </p:nvPicPr>
-        <p:blipFill>
-          <a:blip r:embed="rId4"/>
-          <a:stretch>
-            <a:fillRect/>
-          </a:stretch>
-        </p:blipFill>
-        <p:spPr>
-          <a:xfrm>
-            <a:off x="7488034" y="3992526"/>
-            <a:ext cx="4198087" cy="2274600"/>
-          </a:xfrm>
-          <a:prstGeom prst="rect">
-            <a:avLst/>
-          </a:prstGeom>
-        </p:spPr>
-      </p:pic>
     </p:spTree>
     <p:extLst>
       <p:ext uri="{BB962C8B-B14F-4D97-AF65-F5344CB8AC3E}">
